--- a/slide/part3.pptx
+++ b/slide/part3.pptx
@@ -8,20 +8,22 @@
     <p:sldId id="256" r:id="rId2"/>
     <p:sldId id="257" r:id="rId3"/>
     <p:sldId id="280" r:id="rId4"/>
-    <p:sldId id="258" r:id="rId5"/>
-    <p:sldId id="269" r:id="rId6"/>
-    <p:sldId id="260" r:id="rId7"/>
-    <p:sldId id="270" r:id="rId8"/>
-    <p:sldId id="271" r:id="rId9"/>
-    <p:sldId id="272" r:id="rId10"/>
-    <p:sldId id="273" r:id="rId11"/>
-    <p:sldId id="274" r:id="rId12"/>
-    <p:sldId id="275" r:id="rId13"/>
-    <p:sldId id="276" r:id="rId14"/>
-    <p:sldId id="277" r:id="rId15"/>
-    <p:sldId id="278" r:id="rId16"/>
-    <p:sldId id="279" r:id="rId17"/>
-    <p:sldId id="268" r:id="rId18"/>
+    <p:sldId id="281" r:id="rId5"/>
+    <p:sldId id="258" r:id="rId6"/>
+    <p:sldId id="269" r:id="rId7"/>
+    <p:sldId id="260" r:id="rId8"/>
+    <p:sldId id="282" r:id="rId9"/>
+    <p:sldId id="270" r:id="rId10"/>
+    <p:sldId id="271" r:id="rId11"/>
+    <p:sldId id="272" r:id="rId12"/>
+    <p:sldId id="273" r:id="rId13"/>
+    <p:sldId id="274" r:id="rId14"/>
+    <p:sldId id="275" r:id="rId15"/>
+    <p:sldId id="276" r:id="rId16"/>
+    <p:sldId id="277" r:id="rId17"/>
+    <p:sldId id="278" r:id="rId18"/>
+    <p:sldId id="279" r:id="rId19"/>
+    <p:sldId id="268" r:id="rId20"/>
   </p:sldIdLst>
   <p:sldSz cx="9144000" cy="6858000" type="screen4x3"/>
   <p:notesSz cx="6858000" cy="9144000"/>
@@ -259,7 +261,7 @@
           <a:p>
             <a:fld id="{A6E431DA-83A9-BA4B-A104-448117B2FB99}" type="datetimeFigureOut">
               <a:rPr kumimoji="1" lang="ja-JP" altLang="en-US" smtClean="0"/>
-              <a:t>2018/7/11</a:t>
+              <a:t>2018/7/12</a:t>
             </a:fld>
             <a:endParaRPr kumimoji="1" lang="ja-JP" altLang="en-US"/>
           </a:p>
@@ -469,7 +471,7 @@
           <a:p>
             <a:fld id="{A6E431DA-83A9-BA4B-A104-448117B2FB99}" type="datetimeFigureOut">
               <a:rPr kumimoji="1" lang="ja-JP" altLang="en-US" smtClean="0"/>
-              <a:t>2018/7/11</a:t>
+              <a:t>2018/7/12</a:t>
             </a:fld>
             <a:endParaRPr kumimoji="1" lang="ja-JP" altLang="en-US"/>
           </a:p>
@@ -657,7 +659,7 @@
           <a:p>
             <a:fld id="{A6E431DA-83A9-BA4B-A104-448117B2FB99}" type="datetimeFigureOut">
               <a:rPr kumimoji="1" lang="ja-JP" altLang="en-US" smtClean="0"/>
-              <a:t>2018/7/11</a:t>
+              <a:t>2018/7/12</a:t>
             </a:fld>
             <a:endParaRPr kumimoji="1" lang="ja-JP" altLang="en-US"/>
           </a:p>
@@ -835,7 +837,7 @@
           <a:p>
             <a:fld id="{A6E431DA-83A9-BA4B-A104-448117B2FB99}" type="datetimeFigureOut">
               <a:rPr kumimoji="1" lang="ja-JP" altLang="en-US" smtClean="0"/>
-              <a:t>2018/7/11</a:t>
+              <a:t>2018/7/12</a:t>
             </a:fld>
             <a:endParaRPr kumimoji="1" lang="ja-JP" altLang="en-US"/>
           </a:p>
@@ -1146,7 +1148,7 @@
           <a:p>
             <a:fld id="{A6E431DA-83A9-BA4B-A104-448117B2FB99}" type="datetimeFigureOut">
               <a:rPr kumimoji="1" lang="ja-JP" altLang="en-US" smtClean="0"/>
-              <a:t>2018/7/11</a:t>
+              <a:t>2018/7/12</a:t>
             </a:fld>
             <a:endParaRPr kumimoji="1" lang="ja-JP" altLang="en-US"/>
           </a:p>
@@ -1394,7 +1396,7 @@
           <a:p>
             <a:fld id="{A6E431DA-83A9-BA4B-A104-448117B2FB99}" type="datetimeFigureOut">
               <a:rPr kumimoji="1" lang="ja-JP" altLang="en-US" smtClean="0"/>
-              <a:t>2018/7/11</a:t>
+              <a:t>2018/7/12</a:t>
             </a:fld>
             <a:endParaRPr kumimoji="1" lang="ja-JP" altLang="en-US"/>
           </a:p>
@@ -1851,7 +1853,7 @@
           <a:p>
             <a:fld id="{A6E431DA-83A9-BA4B-A104-448117B2FB99}" type="datetimeFigureOut">
               <a:rPr kumimoji="1" lang="ja-JP" altLang="en-US" smtClean="0"/>
-              <a:t>2018/7/11</a:t>
+              <a:t>2018/7/12</a:t>
             </a:fld>
             <a:endParaRPr kumimoji="1" lang="ja-JP" altLang="en-US"/>
           </a:p>
@@ -1969,7 +1971,7 @@
           <a:p>
             <a:fld id="{A6E431DA-83A9-BA4B-A104-448117B2FB99}" type="datetimeFigureOut">
               <a:rPr kumimoji="1" lang="ja-JP" altLang="en-US" smtClean="0"/>
-              <a:t>2018/7/11</a:t>
+              <a:t>2018/7/12</a:t>
             </a:fld>
             <a:endParaRPr kumimoji="1" lang="ja-JP" altLang="en-US"/>
           </a:p>
@@ -2094,7 +2096,7 @@
           <a:p>
             <a:fld id="{A6E431DA-83A9-BA4B-A104-448117B2FB99}" type="datetimeFigureOut">
               <a:rPr kumimoji="1" lang="ja-JP" altLang="en-US" smtClean="0"/>
-              <a:t>2018/7/11</a:t>
+              <a:t>2018/7/12</a:t>
             </a:fld>
             <a:endParaRPr kumimoji="1" lang="ja-JP" altLang="en-US"/>
           </a:p>
@@ -2446,7 +2448,7 @@
           <a:p>
             <a:fld id="{A6E431DA-83A9-BA4B-A104-448117B2FB99}" type="datetimeFigureOut">
               <a:rPr kumimoji="1" lang="ja-JP" altLang="en-US" smtClean="0"/>
-              <a:t>2018/7/11</a:t>
+              <a:t>2018/7/12</a:t>
             </a:fld>
             <a:endParaRPr kumimoji="1" lang="ja-JP" altLang="en-US"/>
           </a:p>
@@ -2740,7 +2742,7 @@
           <a:p>
             <a:fld id="{A6E431DA-83A9-BA4B-A104-448117B2FB99}" type="datetimeFigureOut">
               <a:rPr kumimoji="1" lang="ja-JP" altLang="en-US" smtClean="0"/>
-              <a:t>2018/7/11</a:t>
+              <a:t>2018/7/12</a:t>
             </a:fld>
             <a:endParaRPr kumimoji="1" lang="ja-JP" altLang="en-US"/>
           </a:p>
@@ -2961,7 +2963,7 @@
           <a:p>
             <a:fld id="{A6E431DA-83A9-BA4B-A104-448117B2FB99}" type="datetimeFigureOut">
               <a:rPr kumimoji="1" lang="ja-JP" altLang="en-US" smtClean="0"/>
-              <a:t>2018/7/11</a:t>
+              <a:t>2018/7/12</a:t>
             </a:fld>
             <a:endParaRPr kumimoji="1" lang="ja-JP" altLang="en-US"/>
           </a:p>
@@ -3632,7 +3634,7 @@
                 <a:ea typeface="Gen Shin Gothic Medium" panose="020B0402020203020207" pitchFamily="34" charset="-128"/>
                 <a:cs typeface="Gen Shin Gothic Medium" panose="020B0402020203020207" pitchFamily="34" charset="-128"/>
               </a:rPr>
-              <a:t>プル</a:t>
+              <a:t>クローン</a:t>
             </a:r>
             <a:endParaRPr kumimoji="1" lang="ja-JP" altLang="en-US">
               <a:latin typeface="Gen Shin Gothic Medium" panose="020B0402020203020207" pitchFamily="34" charset="-128"/>
@@ -3645,7 +3647,7 @@
     </p:spTree>
     <p:extLst>
       <p:ext uri="{BB962C8B-B14F-4D97-AF65-F5344CB8AC3E}">
-        <p14:creationId xmlns:p14="http://schemas.microsoft.com/office/powerpoint/2010/main" val="740624093"/>
+        <p14:creationId xmlns:p14="http://schemas.microsoft.com/office/powerpoint/2010/main" val="1469877287"/>
       </p:ext>
     </p:extLst>
   </p:cSld>
@@ -3704,7 +3706,7 @@
                 <a:ea typeface="Gen Shin Gothic Medium" panose="020B0402020203020207" pitchFamily="34" charset="-128"/>
                 <a:cs typeface="Gen Shin Gothic Medium" panose="020B0402020203020207" pitchFamily="34" charset="-128"/>
               </a:rPr>
-              <a:t>フェッチ</a:t>
+              <a:t>プッシュ</a:t>
             </a:r>
             <a:endParaRPr kumimoji="1" lang="ja-JP" altLang="en-US">
               <a:latin typeface="Gen Shin Gothic Medium" panose="020B0402020203020207" pitchFamily="34" charset="-128"/>
@@ -3717,7 +3719,7 @@
     </p:spTree>
     <p:extLst>
       <p:ext uri="{BB962C8B-B14F-4D97-AF65-F5344CB8AC3E}">
-        <p14:creationId xmlns:p14="http://schemas.microsoft.com/office/powerpoint/2010/main" val="2154647963"/>
+        <p14:creationId xmlns:p14="http://schemas.microsoft.com/office/powerpoint/2010/main" val="2244540021"/>
       </p:ext>
     </p:extLst>
   </p:cSld>
@@ -3771,20 +3773,12 @@
           <a:lstStyle/>
           <a:p>
             <a:r>
-              <a:rPr lang="en" altLang="ja-JP" dirty="0">
-                <a:latin typeface="Gen Shin Gothic Medium" panose="020B0402020203020207" pitchFamily="34" charset="-128"/>
-                <a:ea typeface="Gen Shin Gothic Medium" panose="020B0402020203020207" pitchFamily="34" charset="-128"/>
-                <a:cs typeface="Gen Shin Gothic Medium" panose="020B0402020203020207" pitchFamily="34" charset="-128"/>
-              </a:rPr>
-              <a:t>GitHub </a:t>
-            </a:r>
-            <a:r>
               <a:rPr lang="ja-JP" altLang="en-US">
                 <a:latin typeface="Gen Shin Gothic Medium" panose="020B0402020203020207" pitchFamily="34" charset="-128"/>
                 <a:ea typeface="Gen Shin Gothic Medium" panose="020B0402020203020207" pitchFamily="34" charset="-128"/>
                 <a:cs typeface="Gen Shin Gothic Medium" panose="020B0402020203020207" pitchFamily="34" charset="-128"/>
               </a:rPr>
-              <a:t>の力</a:t>
+              <a:t>プル</a:t>
             </a:r>
             <a:endParaRPr kumimoji="1" lang="ja-JP" altLang="en-US">
               <a:latin typeface="Gen Shin Gothic Medium" panose="020B0402020203020207" pitchFamily="34" charset="-128"/>
@@ -3797,7 +3791,7 @@
     </p:spTree>
     <p:extLst>
       <p:ext uri="{BB962C8B-B14F-4D97-AF65-F5344CB8AC3E}">
-        <p14:creationId xmlns:p14="http://schemas.microsoft.com/office/powerpoint/2010/main" val="463234946"/>
+        <p14:creationId xmlns:p14="http://schemas.microsoft.com/office/powerpoint/2010/main" val="740624093"/>
       </p:ext>
     </p:extLst>
   </p:cSld>
@@ -3851,12 +3845,12 @@
           <a:lstStyle/>
           <a:p>
             <a:r>
-              <a:rPr lang="en" altLang="ja-JP" dirty="0">
-                <a:latin typeface="Gen Shin Gothic Medium" panose="020B0402020203020207" pitchFamily="34" charset="-128"/>
-                <a:ea typeface="Gen Shin Gothic Medium" panose="020B0402020203020207" pitchFamily="34" charset="-128"/>
-                <a:cs typeface="Gen Shin Gothic Medium" panose="020B0402020203020207" pitchFamily="34" charset="-128"/>
-              </a:rPr>
-              <a:t>Issue</a:t>
+              <a:rPr lang="ja-JP" altLang="en-US">
+                <a:latin typeface="Gen Shin Gothic Medium" panose="020B0402020203020207" pitchFamily="34" charset="-128"/>
+                <a:ea typeface="Gen Shin Gothic Medium" panose="020B0402020203020207" pitchFamily="34" charset="-128"/>
+                <a:cs typeface="Gen Shin Gothic Medium" panose="020B0402020203020207" pitchFamily="34" charset="-128"/>
+              </a:rPr>
+              <a:t>フェッチ</a:t>
             </a:r>
             <a:endParaRPr kumimoji="1" lang="ja-JP" altLang="en-US">
               <a:latin typeface="Gen Shin Gothic Medium" panose="020B0402020203020207" pitchFamily="34" charset="-128"/>
@@ -3869,7 +3863,7 @@
     </p:spTree>
     <p:extLst>
       <p:ext uri="{BB962C8B-B14F-4D97-AF65-F5344CB8AC3E}">
-        <p14:creationId xmlns:p14="http://schemas.microsoft.com/office/powerpoint/2010/main" val="3726336058"/>
+        <p14:creationId xmlns:p14="http://schemas.microsoft.com/office/powerpoint/2010/main" val="2154647963"/>
       </p:ext>
     </p:extLst>
   </p:cSld>
@@ -3928,7 +3922,15 @@
                 <a:ea typeface="Gen Shin Gothic Medium" panose="020B0402020203020207" pitchFamily="34" charset="-128"/>
                 <a:cs typeface="Gen Shin Gothic Medium" panose="020B0402020203020207" pitchFamily="34" charset="-128"/>
               </a:rPr>
-              <a:t>PR</a:t>
+              <a:t>GitHub </a:t>
+            </a:r>
+            <a:r>
+              <a:rPr lang="ja-JP" altLang="en-US">
+                <a:latin typeface="Gen Shin Gothic Medium" panose="020B0402020203020207" pitchFamily="34" charset="-128"/>
+                <a:ea typeface="Gen Shin Gothic Medium" panose="020B0402020203020207" pitchFamily="34" charset="-128"/>
+                <a:cs typeface="Gen Shin Gothic Medium" panose="020B0402020203020207" pitchFamily="34" charset="-128"/>
+              </a:rPr>
+              <a:t>の力</a:t>
             </a:r>
             <a:endParaRPr kumimoji="1" lang="ja-JP" altLang="en-US">
               <a:latin typeface="Gen Shin Gothic Medium" panose="020B0402020203020207" pitchFamily="34" charset="-128"/>
@@ -3938,231 +3940,12 @@
           </a:p>
         </p:txBody>
       </p:sp>
-    </p:spTree>
-    <p:extLst>
-      <p:ext uri="{BB962C8B-B14F-4D97-AF65-F5344CB8AC3E}">
-        <p14:creationId xmlns:p14="http://schemas.microsoft.com/office/powerpoint/2010/main" val="2995039473"/>
-      </p:ext>
-    </p:extLst>
-  </p:cSld>
-  <p:clrMapOvr>
-    <a:masterClrMapping/>
-  </p:clrMapOvr>
-</p:sld>
-</file>
-
-<file path=ppt/slides/slide15.xml><?xml version="1.0" encoding="utf-8"?>
-<p:sld xmlns:a="http://schemas.openxmlformats.org/drawingml/2006/main" xmlns:r="http://schemas.openxmlformats.org/officeDocument/2006/relationships" xmlns:p="http://schemas.openxmlformats.org/presentationml/2006/main">
-  <p:cSld>
-    <p:spTree>
-      <p:nvGrpSpPr>
-        <p:cNvPr id="1" name=""/>
-        <p:cNvGrpSpPr/>
-        <p:nvPr/>
-      </p:nvGrpSpPr>
-      <p:grpSpPr>
-        <a:xfrm>
-          <a:off x="0" y="0"/>
-          <a:ext cx="0" cy="0"/>
-          <a:chOff x="0" y="0"/>
-          <a:chExt cx="0" cy="0"/>
-        </a:xfrm>
-      </p:grpSpPr>
-      <p:sp>
-        <p:nvSpPr>
-          <p:cNvPr id="3" name="タイトル 1">
-            <a:extLst>
-              <a:ext uri="{FF2B5EF4-FFF2-40B4-BE49-F238E27FC236}">
-                <a16:creationId xmlns:a16="http://schemas.microsoft.com/office/drawing/2014/main" id="{C42FD8D5-0E8E-5E41-8BF1-95C92D30AA3A}"/>
-              </a:ext>
-            </a:extLst>
-          </p:cNvPr>
-          <p:cNvSpPr>
-            <a:spLocks noGrp="1"/>
-          </p:cNvSpPr>
-          <p:nvPr>
-            <p:ph type="title"/>
-          </p:nvPr>
-        </p:nvSpPr>
-        <p:spPr>
-          <a:xfrm>
-            <a:off x="628650" y="365126"/>
-            <a:ext cx="7886700" cy="1325563"/>
-          </a:xfrm>
-        </p:spPr>
-        <p:txBody>
-          <a:bodyPr/>
-          <a:lstStyle/>
-          <a:p>
-            <a:r>
-              <a:rPr lang="ja-JP" altLang="en-US">
-                <a:latin typeface="Gen Shin Gothic Medium" panose="020B0402020203020207" pitchFamily="34" charset="-128"/>
-                <a:ea typeface="Gen Shin Gothic Medium" panose="020B0402020203020207" pitchFamily="34" charset="-128"/>
-                <a:cs typeface="Gen Shin Gothic Medium" panose="020B0402020203020207" pitchFamily="34" charset="-128"/>
-              </a:rPr>
-              <a:t>フォーク</a:t>
-            </a:r>
-            <a:endParaRPr kumimoji="1" lang="ja-JP" altLang="en-US">
-              <a:latin typeface="Gen Shin Gothic Medium" panose="020B0402020203020207" pitchFamily="34" charset="-128"/>
-              <a:ea typeface="Gen Shin Gothic Medium" panose="020B0402020203020207" pitchFamily="34" charset="-128"/>
-              <a:cs typeface="Gen Shin Gothic Medium" panose="020B0402020203020207" pitchFamily="34" charset="-128"/>
-            </a:endParaRPr>
-          </a:p>
-        </p:txBody>
-      </p:sp>
-    </p:spTree>
-    <p:extLst>
-      <p:ext uri="{BB962C8B-B14F-4D97-AF65-F5344CB8AC3E}">
-        <p14:creationId xmlns:p14="http://schemas.microsoft.com/office/powerpoint/2010/main" val="947543832"/>
-      </p:ext>
-    </p:extLst>
-  </p:cSld>
-  <p:clrMapOvr>
-    <a:masterClrMapping/>
-  </p:clrMapOvr>
-</p:sld>
-</file>
-
-<file path=ppt/slides/slide16.xml><?xml version="1.0" encoding="utf-8"?>
-<p:sld xmlns:a="http://schemas.openxmlformats.org/drawingml/2006/main" xmlns:r="http://schemas.openxmlformats.org/officeDocument/2006/relationships" xmlns:p="http://schemas.openxmlformats.org/presentationml/2006/main">
-  <p:cSld>
-    <p:spTree>
-      <p:nvGrpSpPr>
-        <p:cNvPr id="1" name=""/>
-        <p:cNvGrpSpPr/>
-        <p:nvPr/>
-      </p:nvGrpSpPr>
-      <p:grpSpPr>
-        <a:xfrm>
-          <a:off x="0" y="0"/>
-          <a:ext cx="0" cy="0"/>
-          <a:chOff x="0" y="0"/>
-          <a:chExt cx="0" cy="0"/>
-        </a:xfrm>
-      </p:grpSpPr>
-      <p:sp>
-        <p:nvSpPr>
-          <p:cNvPr id="3" name="タイトル 1">
-            <a:extLst>
-              <a:ext uri="{FF2B5EF4-FFF2-40B4-BE49-F238E27FC236}">
-                <a16:creationId xmlns:a16="http://schemas.microsoft.com/office/drawing/2014/main" id="{C42FD8D5-0E8E-5E41-8BF1-95C92D30AA3A}"/>
-              </a:ext>
-            </a:extLst>
-          </p:cNvPr>
-          <p:cNvSpPr>
-            <a:spLocks noGrp="1"/>
-          </p:cNvSpPr>
-          <p:nvPr>
-            <p:ph type="title"/>
-          </p:nvPr>
-        </p:nvSpPr>
-        <p:spPr>
-          <a:xfrm>
-            <a:off x="628650" y="365126"/>
-            <a:ext cx="7886700" cy="1325563"/>
-          </a:xfrm>
-        </p:spPr>
-        <p:txBody>
-          <a:bodyPr/>
-          <a:lstStyle/>
-          <a:p>
-            <a:r>
-              <a:rPr kumimoji="1" lang="en-US" altLang="ja-JP" dirty="0">
-                <a:latin typeface="Gen Shin Gothic Medium" panose="020B0402020203020207" pitchFamily="34" charset="-128"/>
-                <a:ea typeface="Gen Shin Gothic Medium" panose="020B0402020203020207" pitchFamily="34" charset="-128"/>
-                <a:cs typeface="Gen Shin Gothic Medium" panose="020B0402020203020207" pitchFamily="34" charset="-128"/>
-              </a:rPr>
-              <a:t>GitHub </a:t>
-            </a:r>
-            <a:r>
-              <a:rPr kumimoji="1" lang="ja-JP" altLang="en-US">
-                <a:latin typeface="Gen Shin Gothic Medium" panose="020B0402020203020207" pitchFamily="34" charset="-128"/>
-                <a:ea typeface="Gen Shin Gothic Medium" panose="020B0402020203020207" pitchFamily="34" charset="-128"/>
-                <a:cs typeface="Gen Shin Gothic Medium" panose="020B0402020203020207" pitchFamily="34" charset="-128"/>
-              </a:rPr>
-              <a:t>について調べるなら</a:t>
-            </a:r>
-          </a:p>
-        </p:txBody>
-      </p:sp>
-    </p:spTree>
-    <p:extLst>
-      <p:ext uri="{BB962C8B-B14F-4D97-AF65-F5344CB8AC3E}">
-        <p14:creationId xmlns:p14="http://schemas.microsoft.com/office/powerpoint/2010/main" val="1438898581"/>
-      </p:ext>
-    </p:extLst>
-  </p:cSld>
-  <p:clrMapOvr>
-    <a:masterClrMapping/>
-  </p:clrMapOvr>
-</p:sld>
-</file>
-
-<file path=ppt/slides/slide17.xml><?xml version="1.0" encoding="utf-8"?>
-<p:sld xmlns:a="http://schemas.openxmlformats.org/drawingml/2006/main" xmlns:r="http://schemas.openxmlformats.org/officeDocument/2006/relationships" xmlns:p="http://schemas.openxmlformats.org/presentationml/2006/main">
-  <p:cSld>
-    <p:spTree>
-      <p:nvGrpSpPr>
-        <p:cNvPr id="1" name=""/>
-        <p:cNvGrpSpPr/>
-        <p:nvPr/>
-      </p:nvGrpSpPr>
-      <p:grpSpPr>
-        <a:xfrm>
-          <a:off x="0" y="0"/>
-          <a:ext cx="0" cy="0"/>
-          <a:chOff x="0" y="0"/>
-          <a:chExt cx="0" cy="0"/>
-        </a:xfrm>
-      </p:grpSpPr>
-      <p:sp>
-        <p:nvSpPr>
-          <p:cNvPr id="3" name="タイトル 1">
-            <a:extLst>
-              <a:ext uri="{FF2B5EF4-FFF2-40B4-BE49-F238E27FC236}">
-                <a16:creationId xmlns:a16="http://schemas.microsoft.com/office/drawing/2014/main" id="{DA9EE778-DCC5-3040-9087-5B00F4C1F6EB}"/>
-              </a:ext>
-            </a:extLst>
-          </p:cNvPr>
-          <p:cNvSpPr>
-            <a:spLocks noGrp="1"/>
-          </p:cNvSpPr>
-          <p:nvPr>
-            <p:ph type="title"/>
-          </p:nvPr>
-        </p:nvSpPr>
-        <p:spPr>
-          <a:xfrm>
-            <a:off x="628650" y="365126"/>
-            <a:ext cx="7886700" cy="1325563"/>
-          </a:xfrm>
-        </p:spPr>
-        <p:txBody>
-          <a:bodyPr/>
-          <a:lstStyle/>
-          <a:p>
-            <a:r>
-              <a:rPr lang="ja-JP" altLang="en-US">
-                <a:latin typeface="Gen Shin Gothic Medium" panose="020B0402020203020207" pitchFamily="34" charset="-128"/>
-                <a:ea typeface="Gen Shin Gothic Medium" panose="020B0402020203020207" pitchFamily="34" charset="-128"/>
-                <a:cs typeface="Gen Shin Gothic Medium" panose="020B0402020203020207" pitchFamily="34" charset="-128"/>
-              </a:rPr>
-              <a:t>まとめ</a:t>
-            </a:r>
-            <a:endParaRPr kumimoji="1" lang="ja-JP" altLang="en-US">
-              <a:latin typeface="Gen Shin Gothic Medium" panose="020B0402020203020207" pitchFamily="34" charset="-128"/>
-              <a:ea typeface="Gen Shin Gothic Medium" panose="020B0402020203020207" pitchFamily="34" charset="-128"/>
-              <a:cs typeface="Gen Shin Gothic Medium" panose="020B0402020203020207" pitchFamily="34" charset="-128"/>
-            </a:endParaRPr>
-          </a:p>
-        </p:txBody>
-      </p:sp>
       <p:sp>
         <p:nvSpPr>
           <p:cNvPr id="4" name="コンテンツ プレースホルダー 2">
             <a:extLst>
               <a:ext uri="{FF2B5EF4-FFF2-40B4-BE49-F238E27FC236}">
-                <a16:creationId xmlns:a16="http://schemas.microsoft.com/office/drawing/2014/main" id="{DF3958B9-2478-D94E-B34E-1ACF8A3EB15B}"/>
+                <a16:creationId xmlns:a16="http://schemas.microsoft.com/office/drawing/2014/main" id="{A6617336-A3CA-CB44-B3BD-0C76D2496001}"/>
               </a:ext>
             </a:extLst>
           </p:cNvPr>
@@ -4173,8 +3956,8 @@
         </p:nvSpPr>
         <p:spPr>
           <a:xfrm>
-            <a:off x="628650" y="1825625"/>
-            <a:ext cx="7886700" cy="4351338"/>
+            <a:off x="628650" y="1825624"/>
+            <a:ext cx="7886700" cy="3625149"/>
           </a:xfrm>
           <a:prstGeom prst="rect">
             <a:avLst/>
@@ -4347,6 +4130,960 @@
             </a:lvl9pPr>
           </a:lstStyle>
           <a:p>
+            <a:pPr marL="0" indent="0">
+              <a:lnSpc>
+                <a:spcPct val="150000"/>
+              </a:lnSpc>
+              <a:buClr>
+                <a:schemeClr val="tx1"/>
+              </a:buClr>
+              <a:buNone/>
+            </a:pPr>
+            <a:r>
+              <a:rPr lang="en" altLang="ja-JP" sz="2400" dirty="0">
+                <a:latin typeface="Gen Shin Gothic Medium" panose="020B0402020203020207" pitchFamily="34" charset="-128"/>
+                <a:ea typeface="Gen Shin Gothic Medium" panose="020B0402020203020207" pitchFamily="34" charset="-128"/>
+                <a:cs typeface="Gen Shin Gothic Medium" panose="020B0402020203020207" pitchFamily="34" charset="-128"/>
+              </a:rPr>
+              <a:t>git </a:t>
+            </a:r>
+            <a:r>
+              <a:rPr lang="ja-JP" altLang="en-US" sz="2400">
+                <a:latin typeface="Gen Shin Gothic Medium" panose="020B0402020203020207" pitchFamily="34" charset="-128"/>
+                <a:ea typeface="Gen Shin Gothic Medium" panose="020B0402020203020207" pitchFamily="34" charset="-128"/>
+                <a:cs typeface="Gen Shin Gothic Medium" panose="020B0402020203020207" pitchFamily="34" charset="-128"/>
+              </a:rPr>
+              <a:t>には無い </a:t>
+            </a:r>
+            <a:r>
+              <a:rPr lang="en" altLang="ja-JP" sz="2400" dirty="0">
+                <a:latin typeface="Gen Shin Gothic Medium" panose="020B0402020203020207" pitchFamily="34" charset="-128"/>
+                <a:ea typeface="Gen Shin Gothic Medium" panose="020B0402020203020207" pitchFamily="34" charset="-128"/>
+                <a:cs typeface="Gen Shin Gothic Medium" panose="020B0402020203020207" pitchFamily="34" charset="-128"/>
+              </a:rPr>
+              <a:t>GitHub </a:t>
+            </a:r>
+            <a:r>
+              <a:rPr lang="ja-JP" altLang="en-US" sz="2400">
+                <a:latin typeface="Gen Shin Gothic Medium" panose="020B0402020203020207" pitchFamily="34" charset="-128"/>
+                <a:ea typeface="Gen Shin Gothic Medium" panose="020B0402020203020207" pitchFamily="34" charset="-128"/>
+                <a:cs typeface="Gen Shin Gothic Medium" panose="020B0402020203020207" pitchFamily="34" charset="-128"/>
+              </a:rPr>
+              <a:t>固有の機能が多くある</a:t>
+            </a:r>
+            <a:endParaRPr lang="en-US" altLang="ja-JP" sz="2400" dirty="0">
+              <a:latin typeface="Gen Shin Gothic Medium" panose="020B0402020203020207" pitchFamily="34" charset="-128"/>
+              <a:ea typeface="Gen Shin Gothic Medium" panose="020B0402020203020207" pitchFamily="34" charset="-128"/>
+              <a:cs typeface="Gen Shin Gothic Medium" panose="020B0402020203020207" pitchFamily="34" charset="-128"/>
+            </a:endParaRPr>
+          </a:p>
+          <a:p>
+            <a:pPr marL="444500" indent="-217488">
+              <a:lnSpc>
+                <a:spcPct val="150000"/>
+              </a:lnSpc>
+              <a:buClr>
+                <a:schemeClr val="tx1"/>
+              </a:buClr>
+            </a:pPr>
+            <a:r>
+              <a:rPr lang="en-US" altLang="ja-JP" sz="2400" dirty="0">
+                <a:latin typeface="Gen Shin Gothic Medium" panose="020B0402020203020207" pitchFamily="34" charset="-128"/>
+                <a:ea typeface="Gen Shin Gothic Medium" panose="020B0402020203020207" pitchFamily="34" charset="-128"/>
+                <a:cs typeface="Gen Shin Gothic Medium" panose="020B0402020203020207" pitchFamily="34" charset="-128"/>
+              </a:rPr>
+              <a:t>Issue/PR</a:t>
+            </a:r>
+          </a:p>
+          <a:p>
+            <a:pPr marL="444500" indent="-217488">
+              <a:lnSpc>
+                <a:spcPct val="150000"/>
+              </a:lnSpc>
+              <a:buClr>
+                <a:schemeClr val="tx1"/>
+              </a:buClr>
+            </a:pPr>
+            <a:r>
+              <a:rPr lang="ja-JP" altLang="en-US" sz="2400">
+                <a:latin typeface="Gen Shin Gothic Medium" panose="020B0402020203020207" pitchFamily="34" charset="-128"/>
+                <a:ea typeface="Gen Shin Gothic Medium" panose="020B0402020203020207" pitchFamily="34" charset="-128"/>
+                <a:cs typeface="Gen Shin Gothic Medium" panose="020B0402020203020207" pitchFamily="34" charset="-128"/>
+              </a:rPr>
+              <a:t>フォーク</a:t>
+            </a:r>
+            <a:r>
+              <a:rPr lang="en-US" altLang="ja-JP" sz="2400" dirty="0">
+                <a:latin typeface="Gen Shin Gothic Medium" panose="020B0402020203020207" pitchFamily="34" charset="-128"/>
+                <a:ea typeface="Gen Shin Gothic Medium" panose="020B0402020203020207" pitchFamily="34" charset="-128"/>
+                <a:cs typeface="Gen Shin Gothic Medium" panose="020B0402020203020207" pitchFamily="34" charset="-128"/>
+              </a:rPr>
+              <a:t>/</a:t>
+            </a:r>
+            <a:r>
+              <a:rPr lang="ja-JP" altLang="en-US" sz="2400">
+                <a:latin typeface="Gen Shin Gothic Medium" panose="020B0402020203020207" pitchFamily="34" charset="-128"/>
+                <a:ea typeface="Gen Shin Gothic Medium" panose="020B0402020203020207" pitchFamily="34" charset="-128"/>
+                <a:cs typeface="Gen Shin Gothic Medium" panose="020B0402020203020207" pitchFamily="34" charset="-128"/>
+              </a:rPr>
+              <a:t>リポジトリのコピー</a:t>
+            </a:r>
+            <a:endParaRPr lang="en-US" altLang="ja-JP" sz="2400" dirty="0">
+              <a:latin typeface="Gen Shin Gothic Medium" panose="020B0402020203020207" pitchFamily="34" charset="-128"/>
+              <a:ea typeface="Gen Shin Gothic Medium" panose="020B0402020203020207" pitchFamily="34" charset="-128"/>
+              <a:cs typeface="Gen Shin Gothic Medium" panose="020B0402020203020207" pitchFamily="34" charset="-128"/>
+            </a:endParaRPr>
+          </a:p>
+          <a:p>
+            <a:pPr marL="444500" indent="-217488">
+              <a:lnSpc>
+                <a:spcPct val="150000"/>
+              </a:lnSpc>
+              <a:buClr>
+                <a:schemeClr val="tx1"/>
+              </a:buClr>
+            </a:pPr>
+            <a:r>
+              <a:rPr lang="en-US" altLang="ja-JP" sz="2400" dirty="0">
+                <a:latin typeface="Gen Shin Gothic Medium" panose="020B0402020203020207" pitchFamily="34" charset="-128"/>
+                <a:ea typeface="Gen Shin Gothic Medium" panose="020B0402020203020207" pitchFamily="34" charset="-128"/>
+                <a:cs typeface="Gen Shin Gothic Medium" panose="020B0402020203020207" pitchFamily="34" charset="-128"/>
+              </a:rPr>
+              <a:t>Web UI </a:t>
+            </a:r>
+            <a:r>
+              <a:rPr lang="ja-JP" altLang="en-US" sz="2400">
+                <a:latin typeface="Gen Shin Gothic Medium" panose="020B0402020203020207" pitchFamily="34" charset="-128"/>
+                <a:ea typeface="Gen Shin Gothic Medium" panose="020B0402020203020207" pitchFamily="34" charset="-128"/>
+                <a:cs typeface="Gen Shin Gothic Medium" panose="020B0402020203020207" pitchFamily="34" charset="-128"/>
+              </a:rPr>
+              <a:t>からの操作</a:t>
+            </a:r>
+            <a:endParaRPr lang="en-US" altLang="ja-JP" sz="2400" dirty="0">
+              <a:latin typeface="Gen Shin Gothic Medium" panose="020B0402020203020207" pitchFamily="34" charset="-128"/>
+              <a:ea typeface="Gen Shin Gothic Medium" panose="020B0402020203020207" pitchFamily="34" charset="-128"/>
+              <a:cs typeface="Gen Shin Gothic Medium" panose="020B0402020203020207" pitchFamily="34" charset="-128"/>
+            </a:endParaRPr>
+          </a:p>
+          <a:p>
+            <a:pPr>
+              <a:lnSpc>
+                <a:spcPct val="150000"/>
+              </a:lnSpc>
+              <a:buClr>
+                <a:schemeClr val="tx1"/>
+              </a:buClr>
+            </a:pPr>
+            <a:endParaRPr lang="en-US" altLang="ja-JP" sz="2400" dirty="0">
+              <a:latin typeface="Gen Shin Gothic Medium" panose="020B0402020203020207" pitchFamily="34" charset="-128"/>
+              <a:ea typeface="Gen Shin Gothic Medium" panose="020B0402020203020207" pitchFamily="34" charset="-128"/>
+              <a:cs typeface="Gen Shin Gothic Medium" panose="020B0402020203020207" pitchFamily="34" charset="-128"/>
+            </a:endParaRPr>
+          </a:p>
+          <a:p>
+            <a:pPr marL="0" indent="0">
+              <a:lnSpc>
+                <a:spcPct val="150000"/>
+              </a:lnSpc>
+              <a:buClr>
+                <a:schemeClr val="tx1"/>
+              </a:buClr>
+              <a:buNone/>
+            </a:pPr>
+            <a:endParaRPr lang="ja-JP" altLang="en-US" sz="2400">
+              <a:latin typeface="Gen Shin Gothic Medium" panose="020B0402020203020207" pitchFamily="34" charset="-128"/>
+              <a:ea typeface="Gen Shin Gothic Medium" panose="020B0402020203020207" pitchFamily="34" charset="-128"/>
+              <a:cs typeface="Gen Shin Gothic Medium" panose="020B0402020203020207" pitchFamily="34" charset="-128"/>
+            </a:endParaRPr>
+          </a:p>
+        </p:txBody>
+      </p:sp>
+    </p:spTree>
+    <p:extLst>
+      <p:ext uri="{BB962C8B-B14F-4D97-AF65-F5344CB8AC3E}">
+        <p14:creationId xmlns:p14="http://schemas.microsoft.com/office/powerpoint/2010/main" val="463234946"/>
+      </p:ext>
+    </p:extLst>
+  </p:cSld>
+  <p:clrMapOvr>
+    <a:masterClrMapping/>
+  </p:clrMapOvr>
+</p:sld>
+</file>
+
+<file path=ppt/slides/slide15.xml><?xml version="1.0" encoding="utf-8"?>
+<p:sld xmlns:a="http://schemas.openxmlformats.org/drawingml/2006/main" xmlns:r="http://schemas.openxmlformats.org/officeDocument/2006/relationships" xmlns:p="http://schemas.openxmlformats.org/presentationml/2006/main">
+  <p:cSld>
+    <p:spTree>
+      <p:nvGrpSpPr>
+        <p:cNvPr id="1" name=""/>
+        <p:cNvGrpSpPr/>
+        <p:nvPr/>
+      </p:nvGrpSpPr>
+      <p:grpSpPr>
+        <a:xfrm>
+          <a:off x="0" y="0"/>
+          <a:ext cx="0" cy="0"/>
+          <a:chOff x="0" y="0"/>
+          <a:chExt cx="0" cy="0"/>
+        </a:xfrm>
+      </p:grpSpPr>
+      <p:sp>
+        <p:nvSpPr>
+          <p:cNvPr id="3" name="タイトル 1">
+            <a:extLst>
+              <a:ext uri="{FF2B5EF4-FFF2-40B4-BE49-F238E27FC236}">
+                <a16:creationId xmlns:a16="http://schemas.microsoft.com/office/drawing/2014/main" id="{C42FD8D5-0E8E-5E41-8BF1-95C92D30AA3A}"/>
+              </a:ext>
+            </a:extLst>
+          </p:cNvPr>
+          <p:cNvSpPr>
+            <a:spLocks noGrp="1"/>
+          </p:cNvSpPr>
+          <p:nvPr>
+            <p:ph type="title"/>
+          </p:nvPr>
+        </p:nvSpPr>
+        <p:spPr>
+          <a:xfrm>
+            <a:off x="628650" y="365126"/>
+            <a:ext cx="7886700" cy="1325563"/>
+          </a:xfrm>
+        </p:spPr>
+        <p:txBody>
+          <a:bodyPr/>
+          <a:lstStyle/>
+          <a:p>
+            <a:r>
+              <a:rPr lang="en" altLang="ja-JP" dirty="0">
+                <a:latin typeface="Gen Shin Gothic Medium" panose="020B0402020203020207" pitchFamily="34" charset="-128"/>
+                <a:ea typeface="Gen Shin Gothic Medium" panose="020B0402020203020207" pitchFamily="34" charset="-128"/>
+                <a:cs typeface="Gen Shin Gothic Medium" panose="020B0402020203020207" pitchFamily="34" charset="-128"/>
+              </a:rPr>
+              <a:t>Issue</a:t>
+            </a:r>
+            <a:endParaRPr kumimoji="1" lang="ja-JP" altLang="en-US">
+              <a:latin typeface="Gen Shin Gothic Medium" panose="020B0402020203020207" pitchFamily="34" charset="-128"/>
+              <a:ea typeface="Gen Shin Gothic Medium" panose="020B0402020203020207" pitchFamily="34" charset="-128"/>
+              <a:cs typeface="Gen Shin Gothic Medium" panose="020B0402020203020207" pitchFamily="34" charset="-128"/>
+            </a:endParaRPr>
+          </a:p>
+        </p:txBody>
+      </p:sp>
+    </p:spTree>
+    <p:extLst>
+      <p:ext uri="{BB962C8B-B14F-4D97-AF65-F5344CB8AC3E}">
+        <p14:creationId xmlns:p14="http://schemas.microsoft.com/office/powerpoint/2010/main" val="3726336058"/>
+      </p:ext>
+    </p:extLst>
+  </p:cSld>
+  <p:clrMapOvr>
+    <a:masterClrMapping/>
+  </p:clrMapOvr>
+</p:sld>
+</file>
+
+<file path=ppt/slides/slide16.xml><?xml version="1.0" encoding="utf-8"?>
+<p:sld xmlns:a="http://schemas.openxmlformats.org/drawingml/2006/main" xmlns:r="http://schemas.openxmlformats.org/officeDocument/2006/relationships" xmlns:p="http://schemas.openxmlformats.org/presentationml/2006/main">
+  <p:cSld>
+    <p:spTree>
+      <p:nvGrpSpPr>
+        <p:cNvPr id="1" name=""/>
+        <p:cNvGrpSpPr/>
+        <p:nvPr/>
+      </p:nvGrpSpPr>
+      <p:grpSpPr>
+        <a:xfrm>
+          <a:off x="0" y="0"/>
+          <a:ext cx="0" cy="0"/>
+          <a:chOff x="0" y="0"/>
+          <a:chExt cx="0" cy="0"/>
+        </a:xfrm>
+      </p:grpSpPr>
+      <p:sp>
+        <p:nvSpPr>
+          <p:cNvPr id="3" name="タイトル 1">
+            <a:extLst>
+              <a:ext uri="{FF2B5EF4-FFF2-40B4-BE49-F238E27FC236}">
+                <a16:creationId xmlns:a16="http://schemas.microsoft.com/office/drawing/2014/main" id="{C42FD8D5-0E8E-5E41-8BF1-95C92D30AA3A}"/>
+              </a:ext>
+            </a:extLst>
+          </p:cNvPr>
+          <p:cNvSpPr>
+            <a:spLocks noGrp="1"/>
+          </p:cNvSpPr>
+          <p:nvPr>
+            <p:ph type="title"/>
+          </p:nvPr>
+        </p:nvSpPr>
+        <p:spPr>
+          <a:xfrm>
+            <a:off x="628650" y="365126"/>
+            <a:ext cx="7886700" cy="1325563"/>
+          </a:xfrm>
+        </p:spPr>
+        <p:txBody>
+          <a:bodyPr/>
+          <a:lstStyle/>
+          <a:p>
+            <a:r>
+              <a:rPr lang="en" altLang="ja-JP" dirty="0">
+                <a:latin typeface="Gen Shin Gothic Medium" panose="020B0402020203020207" pitchFamily="34" charset="-128"/>
+                <a:ea typeface="Gen Shin Gothic Medium" panose="020B0402020203020207" pitchFamily="34" charset="-128"/>
+                <a:cs typeface="Gen Shin Gothic Medium" panose="020B0402020203020207" pitchFamily="34" charset="-128"/>
+              </a:rPr>
+              <a:t>PR</a:t>
+            </a:r>
+            <a:endParaRPr kumimoji="1" lang="ja-JP" altLang="en-US">
+              <a:latin typeface="Gen Shin Gothic Medium" panose="020B0402020203020207" pitchFamily="34" charset="-128"/>
+              <a:ea typeface="Gen Shin Gothic Medium" panose="020B0402020203020207" pitchFamily="34" charset="-128"/>
+              <a:cs typeface="Gen Shin Gothic Medium" panose="020B0402020203020207" pitchFamily="34" charset="-128"/>
+            </a:endParaRPr>
+          </a:p>
+        </p:txBody>
+      </p:sp>
+    </p:spTree>
+    <p:extLst>
+      <p:ext uri="{BB962C8B-B14F-4D97-AF65-F5344CB8AC3E}">
+        <p14:creationId xmlns:p14="http://schemas.microsoft.com/office/powerpoint/2010/main" val="2995039473"/>
+      </p:ext>
+    </p:extLst>
+  </p:cSld>
+  <p:clrMapOvr>
+    <a:masterClrMapping/>
+  </p:clrMapOvr>
+</p:sld>
+</file>
+
+<file path=ppt/slides/slide17.xml><?xml version="1.0" encoding="utf-8"?>
+<p:sld xmlns:a="http://schemas.openxmlformats.org/drawingml/2006/main" xmlns:r="http://schemas.openxmlformats.org/officeDocument/2006/relationships" xmlns:p="http://schemas.openxmlformats.org/presentationml/2006/main">
+  <p:cSld>
+    <p:spTree>
+      <p:nvGrpSpPr>
+        <p:cNvPr id="1" name=""/>
+        <p:cNvGrpSpPr/>
+        <p:nvPr/>
+      </p:nvGrpSpPr>
+      <p:grpSpPr>
+        <a:xfrm>
+          <a:off x="0" y="0"/>
+          <a:ext cx="0" cy="0"/>
+          <a:chOff x="0" y="0"/>
+          <a:chExt cx="0" cy="0"/>
+        </a:xfrm>
+      </p:grpSpPr>
+      <p:sp>
+        <p:nvSpPr>
+          <p:cNvPr id="3" name="タイトル 1">
+            <a:extLst>
+              <a:ext uri="{FF2B5EF4-FFF2-40B4-BE49-F238E27FC236}">
+                <a16:creationId xmlns:a16="http://schemas.microsoft.com/office/drawing/2014/main" id="{C42FD8D5-0E8E-5E41-8BF1-95C92D30AA3A}"/>
+              </a:ext>
+            </a:extLst>
+          </p:cNvPr>
+          <p:cNvSpPr>
+            <a:spLocks noGrp="1"/>
+          </p:cNvSpPr>
+          <p:nvPr>
+            <p:ph type="title"/>
+          </p:nvPr>
+        </p:nvSpPr>
+        <p:spPr>
+          <a:xfrm>
+            <a:off x="628650" y="365126"/>
+            <a:ext cx="7886700" cy="1325563"/>
+          </a:xfrm>
+        </p:spPr>
+        <p:txBody>
+          <a:bodyPr/>
+          <a:lstStyle/>
+          <a:p>
+            <a:r>
+              <a:rPr lang="ja-JP" altLang="en-US">
+                <a:latin typeface="Gen Shin Gothic Medium" panose="020B0402020203020207" pitchFamily="34" charset="-128"/>
+                <a:ea typeface="Gen Shin Gothic Medium" panose="020B0402020203020207" pitchFamily="34" charset="-128"/>
+                <a:cs typeface="Gen Shin Gothic Medium" panose="020B0402020203020207" pitchFamily="34" charset="-128"/>
+              </a:rPr>
+              <a:t>フォーク</a:t>
+            </a:r>
+            <a:endParaRPr kumimoji="1" lang="ja-JP" altLang="en-US">
+              <a:latin typeface="Gen Shin Gothic Medium" panose="020B0402020203020207" pitchFamily="34" charset="-128"/>
+              <a:ea typeface="Gen Shin Gothic Medium" panose="020B0402020203020207" pitchFamily="34" charset="-128"/>
+              <a:cs typeface="Gen Shin Gothic Medium" panose="020B0402020203020207" pitchFamily="34" charset="-128"/>
+            </a:endParaRPr>
+          </a:p>
+        </p:txBody>
+      </p:sp>
+    </p:spTree>
+    <p:extLst>
+      <p:ext uri="{BB962C8B-B14F-4D97-AF65-F5344CB8AC3E}">
+        <p14:creationId xmlns:p14="http://schemas.microsoft.com/office/powerpoint/2010/main" val="947543832"/>
+      </p:ext>
+    </p:extLst>
+  </p:cSld>
+  <p:clrMapOvr>
+    <a:masterClrMapping/>
+  </p:clrMapOvr>
+</p:sld>
+</file>
+
+<file path=ppt/slides/slide18.xml><?xml version="1.0" encoding="utf-8"?>
+<p:sld xmlns:a="http://schemas.openxmlformats.org/drawingml/2006/main" xmlns:r="http://schemas.openxmlformats.org/officeDocument/2006/relationships" xmlns:p="http://schemas.openxmlformats.org/presentationml/2006/main">
+  <p:cSld>
+    <p:spTree>
+      <p:nvGrpSpPr>
+        <p:cNvPr id="1" name=""/>
+        <p:cNvGrpSpPr/>
+        <p:nvPr/>
+      </p:nvGrpSpPr>
+      <p:grpSpPr>
+        <a:xfrm>
+          <a:off x="0" y="0"/>
+          <a:ext cx="0" cy="0"/>
+          <a:chOff x="0" y="0"/>
+          <a:chExt cx="0" cy="0"/>
+        </a:xfrm>
+      </p:grpSpPr>
+      <p:sp>
+        <p:nvSpPr>
+          <p:cNvPr id="3" name="タイトル 1">
+            <a:extLst>
+              <a:ext uri="{FF2B5EF4-FFF2-40B4-BE49-F238E27FC236}">
+                <a16:creationId xmlns:a16="http://schemas.microsoft.com/office/drawing/2014/main" id="{C42FD8D5-0E8E-5E41-8BF1-95C92D30AA3A}"/>
+              </a:ext>
+            </a:extLst>
+          </p:cNvPr>
+          <p:cNvSpPr>
+            <a:spLocks noGrp="1"/>
+          </p:cNvSpPr>
+          <p:nvPr>
+            <p:ph type="title"/>
+          </p:nvPr>
+        </p:nvSpPr>
+        <p:spPr>
+          <a:xfrm>
+            <a:off x="628650" y="365126"/>
+            <a:ext cx="7886700" cy="1325563"/>
+          </a:xfrm>
+        </p:spPr>
+        <p:txBody>
+          <a:bodyPr/>
+          <a:lstStyle/>
+          <a:p>
+            <a:r>
+              <a:rPr kumimoji="1" lang="en-US" altLang="ja-JP" dirty="0">
+                <a:latin typeface="Gen Shin Gothic Medium" panose="020B0402020203020207" pitchFamily="34" charset="-128"/>
+                <a:ea typeface="Gen Shin Gothic Medium" panose="020B0402020203020207" pitchFamily="34" charset="-128"/>
+                <a:cs typeface="Gen Shin Gothic Medium" panose="020B0402020203020207" pitchFamily="34" charset="-128"/>
+              </a:rPr>
+              <a:t>GitHub </a:t>
+            </a:r>
+            <a:r>
+              <a:rPr kumimoji="1" lang="ja-JP" altLang="en-US">
+                <a:latin typeface="Gen Shin Gothic Medium" panose="020B0402020203020207" pitchFamily="34" charset="-128"/>
+                <a:ea typeface="Gen Shin Gothic Medium" panose="020B0402020203020207" pitchFamily="34" charset="-128"/>
+                <a:cs typeface="Gen Shin Gothic Medium" panose="020B0402020203020207" pitchFamily="34" charset="-128"/>
+              </a:rPr>
+              <a:t>について調べるなら</a:t>
+            </a:r>
+          </a:p>
+        </p:txBody>
+      </p:sp>
+      <p:sp>
+        <p:nvSpPr>
+          <p:cNvPr id="4" name="コンテンツ プレースホルダー 2">
+            <a:extLst>
+              <a:ext uri="{FF2B5EF4-FFF2-40B4-BE49-F238E27FC236}">
+                <a16:creationId xmlns:a16="http://schemas.microsoft.com/office/drawing/2014/main" id="{A9CF8577-F202-9B40-93E0-CF4B7C8791B7}"/>
+              </a:ext>
+            </a:extLst>
+          </p:cNvPr>
+          <p:cNvSpPr txBox="1">
+            <a:spLocks/>
+          </p:cNvSpPr>
+          <p:nvPr/>
+        </p:nvSpPr>
+        <p:spPr>
+          <a:xfrm>
+            <a:off x="628650" y="1825625"/>
+            <a:ext cx="7886700" cy="976952"/>
+          </a:xfrm>
+          <a:prstGeom prst="rect">
+            <a:avLst/>
+          </a:prstGeom>
+        </p:spPr>
+        <p:txBody>
+          <a:bodyPr/>
+          <a:lstStyle>
+            <a:lvl1pPr marL="228600" indent="-228600" algn="l" defTabSz="914400" rtl="0" eaLnBrk="1" latinLnBrk="0" hangingPunct="1">
+              <a:lnSpc>
+                <a:spcPct val="90000"/>
+              </a:lnSpc>
+              <a:spcBef>
+                <a:spcPts val="1000"/>
+              </a:spcBef>
+              <a:buFont typeface="Arial" panose="020B0604020202020204" pitchFamily="34" charset="0"/>
+              <a:buChar char="•"/>
+              <a:defRPr kumimoji="1" sz="2800" kern="1200">
+                <a:solidFill>
+                  <a:schemeClr val="tx1"/>
+                </a:solidFill>
+                <a:latin typeface="+mn-lt"/>
+                <a:ea typeface="+mn-ea"/>
+                <a:cs typeface="+mn-cs"/>
+              </a:defRPr>
+            </a:lvl1pPr>
+            <a:lvl2pPr marL="685800" indent="-228600" algn="l" defTabSz="914400" rtl="0" eaLnBrk="1" latinLnBrk="0" hangingPunct="1">
+              <a:lnSpc>
+                <a:spcPct val="90000"/>
+              </a:lnSpc>
+              <a:spcBef>
+                <a:spcPts val="500"/>
+              </a:spcBef>
+              <a:buFont typeface="Arial" panose="020B0604020202020204" pitchFamily="34" charset="0"/>
+              <a:buChar char="•"/>
+              <a:defRPr kumimoji="1" sz="2400" kern="1200">
+                <a:solidFill>
+                  <a:schemeClr val="tx1"/>
+                </a:solidFill>
+                <a:latin typeface="+mn-lt"/>
+                <a:ea typeface="+mn-ea"/>
+                <a:cs typeface="+mn-cs"/>
+              </a:defRPr>
+            </a:lvl2pPr>
+            <a:lvl3pPr marL="1143000" indent="-228600" algn="l" defTabSz="914400" rtl="0" eaLnBrk="1" latinLnBrk="0" hangingPunct="1">
+              <a:lnSpc>
+                <a:spcPct val="90000"/>
+              </a:lnSpc>
+              <a:spcBef>
+                <a:spcPts val="500"/>
+              </a:spcBef>
+              <a:buFont typeface="Arial" panose="020B0604020202020204" pitchFamily="34" charset="0"/>
+              <a:buChar char="•"/>
+              <a:defRPr kumimoji="1" sz="2000" kern="1200">
+                <a:solidFill>
+                  <a:schemeClr val="tx1"/>
+                </a:solidFill>
+                <a:latin typeface="+mn-lt"/>
+                <a:ea typeface="+mn-ea"/>
+                <a:cs typeface="+mn-cs"/>
+              </a:defRPr>
+            </a:lvl3pPr>
+            <a:lvl4pPr marL="1600200" indent="-228600" algn="l" defTabSz="914400" rtl="0" eaLnBrk="1" latinLnBrk="0" hangingPunct="1">
+              <a:lnSpc>
+                <a:spcPct val="90000"/>
+              </a:lnSpc>
+              <a:spcBef>
+                <a:spcPts val="500"/>
+              </a:spcBef>
+              <a:buFont typeface="Arial" panose="020B0604020202020204" pitchFamily="34" charset="0"/>
+              <a:buChar char="•"/>
+              <a:defRPr kumimoji="1" sz="1800" kern="1200">
+                <a:solidFill>
+                  <a:schemeClr val="tx1"/>
+                </a:solidFill>
+                <a:latin typeface="+mn-lt"/>
+                <a:ea typeface="+mn-ea"/>
+                <a:cs typeface="+mn-cs"/>
+              </a:defRPr>
+            </a:lvl4pPr>
+            <a:lvl5pPr marL="2057400" indent="-228600" algn="l" defTabSz="914400" rtl="0" eaLnBrk="1" latinLnBrk="0" hangingPunct="1">
+              <a:lnSpc>
+                <a:spcPct val="90000"/>
+              </a:lnSpc>
+              <a:spcBef>
+                <a:spcPts val="500"/>
+              </a:spcBef>
+              <a:buFont typeface="Arial" panose="020B0604020202020204" pitchFamily="34" charset="0"/>
+              <a:buChar char="•"/>
+              <a:defRPr kumimoji="1" sz="1800" kern="1200">
+                <a:solidFill>
+                  <a:schemeClr val="tx1"/>
+                </a:solidFill>
+                <a:latin typeface="+mn-lt"/>
+                <a:ea typeface="+mn-ea"/>
+                <a:cs typeface="+mn-cs"/>
+              </a:defRPr>
+            </a:lvl5pPr>
+            <a:lvl6pPr marL="2514600" indent="-228600" algn="l" defTabSz="914400" rtl="0" eaLnBrk="1" latinLnBrk="0" hangingPunct="1">
+              <a:lnSpc>
+                <a:spcPct val="90000"/>
+              </a:lnSpc>
+              <a:spcBef>
+                <a:spcPts val="500"/>
+              </a:spcBef>
+              <a:buFont typeface="Arial" panose="020B0604020202020204" pitchFamily="34" charset="0"/>
+              <a:buChar char="•"/>
+              <a:defRPr kumimoji="1" sz="1800" kern="1200">
+                <a:solidFill>
+                  <a:schemeClr val="tx1"/>
+                </a:solidFill>
+                <a:latin typeface="+mn-lt"/>
+                <a:ea typeface="+mn-ea"/>
+                <a:cs typeface="+mn-cs"/>
+              </a:defRPr>
+            </a:lvl6pPr>
+            <a:lvl7pPr marL="2971800" indent="-228600" algn="l" defTabSz="914400" rtl="0" eaLnBrk="1" latinLnBrk="0" hangingPunct="1">
+              <a:lnSpc>
+                <a:spcPct val="90000"/>
+              </a:lnSpc>
+              <a:spcBef>
+                <a:spcPts val="500"/>
+              </a:spcBef>
+              <a:buFont typeface="Arial" panose="020B0604020202020204" pitchFamily="34" charset="0"/>
+              <a:buChar char="•"/>
+              <a:defRPr kumimoji="1" sz="1800" kern="1200">
+                <a:solidFill>
+                  <a:schemeClr val="tx1"/>
+                </a:solidFill>
+                <a:latin typeface="+mn-lt"/>
+                <a:ea typeface="+mn-ea"/>
+                <a:cs typeface="+mn-cs"/>
+              </a:defRPr>
+            </a:lvl7pPr>
+            <a:lvl8pPr marL="3429000" indent="-228600" algn="l" defTabSz="914400" rtl="0" eaLnBrk="1" latinLnBrk="0" hangingPunct="1">
+              <a:lnSpc>
+                <a:spcPct val="90000"/>
+              </a:lnSpc>
+              <a:spcBef>
+                <a:spcPts val="500"/>
+              </a:spcBef>
+              <a:buFont typeface="Arial" panose="020B0604020202020204" pitchFamily="34" charset="0"/>
+              <a:buChar char="•"/>
+              <a:defRPr kumimoji="1" sz="1800" kern="1200">
+                <a:solidFill>
+                  <a:schemeClr val="tx1"/>
+                </a:solidFill>
+                <a:latin typeface="+mn-lt"/>
+                <a:ea typeface="+mn-ea"/>
+                <a:cs typeface="+mn-cs"/>
+              </a:defRPr>
+            </a:lvl8pPr>
+            <a:lvl9pPr marL="3886200" indent="-228600" algn="l" defTabSz="914400" rtl="0" eaLnBrk="1" latinLnBrk="0" hangingPunct="1">
+              <a:lnSpc>
+                <a:spcPct val="90000"/>
+              </a:lnSpc>
+              <a:spcBef>
+                <a:spcPts val="500"/>
+              </a:spcBef>
+              <a:buFont typeface="Arial" panose="020B0604020202020204" pitchFamily="34" charset="0"/>
+              <a:buChar char="•"/>
+              <a:defRPr kumimoji="1" sz="1800" kern="1200">
+                <a:solidFill>
+                  <a:schemeClr val="tx1"/>
+                </a:solidFill>
+                <a:latin typeface="+mn-lt"/>
+                <a:ea typeface="+mn-ea"/>
+                <a:cs typeface="+mn-cs"/>
+              </a:defRPr>
+            </a:lvl9pPr>
+          </a:lstStyle>
+          <a:p>
+            <a:pPr>
+              <a:lnSpc>
+                <a:spcPct val="150000"/>
+              </a:lnSpc>
+              <a:buClr>
+                <a:schemeClr val="tx1"/>
+              </a:buClr>
+            </a:pPr>
+            <a:r>
+              <a:rPr lang="en" altLang="ja-JP" sz="2400" dirty="0">
+                <a:solidFill>
+                  <a:schemeClr val="accent1"/>
+                </a:solidFill>
+                <a:latin typeface="Gen Shin Gothic Medium" panose="020B0402020203020207" pitchFamily="34" charset="-128"/>
+                <a:ea typeface="Gen Shin Gothic Medium" panose="020B0402020203020207" pitchFamily="34" charset="-128"/>
+                <a:cs typeface="Gen Shin Gothic Medium" panose="020B0402020203020207" pitchFamily="34" charset="-128"/>
+              </a:rPr>
+              <a:t>GitHub Help</a:t>
+            </a:r>
+            <a:r>
+              <a:rPr lang="en" altLang="ja-JP" sz="2400" dirty="0">
+                <a:latin typeface="Gen Shin Gothic Medium" panose="020B0402020203020207" pitchFamily="34" charset="-128"/>
+                <a:ea typeface="Gen Shin Gothic Medium" panose="020B0402020203020207" pitchFamily="34" charset="-128"/>
+                <a:cs typeface="Gen Shin Gothic Medium" panose="020B0402020203020207" pitchFamily="34" charset="-128"/>
+              </a:rPr>
+              <a:t> : https://</a:t>
+            </a:r>
+            <a:r>
+              <a:rPr lang="en" altLang="ja-JP" sz="2400" dirty="0" err="1">
+                <a:latin typeface="Gen Shin Gothic Medium" panose="020B0402020203020207" pitchFamily="34" charset="-128"/>
+                <a:ea typeface="Gen Shin Gothic Medium" panose="020B0402020203020207" pitchFamily="34" charset="-128"/>
+                <a:cs typeface="Gen Shin Gothic Medium" panose="020B0402020203020207" pitchFamily="34" charset="-128"/>
+              </a:rPr>
+              <a:t>help.github.com</a:t>
+            </a:r>
+            <a:endParaRPr lang="ja-JP" altLang="en-US" sz="2400">
+              <a:latin typeface="Gen Shin Gothic Medium" panose="020B0402020203020207" pitchFamily="34" charset="-128"/>
+              <a:ea typeface="Gen Shin Gothic Medium" panose="020B0402020203020207" pitchFamily="34" charset="-128"/>
+              <a:cs typeface="Gen Shin Gothic Medium" panose="020B0402020203020207" pitchFamily="34" charset="-128"/>
+            </a:endParaRPr>
+          </a:p>
+        </p:txBody>
+      </p:sp>
+    </p:spTree>
+    <p:extLst>
+      <p:ext uri="{BB962C8B-B14F-4D97-AF65-F5344CB8AC3E}">
+        <p14:creationId xmlns:p14="http://schemas.microsoft.com/office/powerpoint/2010/main" val="1438898581"/>
+      </p:ext>
+    </p:extLst>
+  </p:cSld>
+  <p:clrMapOvr>
+    <a:masterClrMapping/>
+  </p:clrMapOvr>
+</p:sld>
+</file>
+
+<file path=ppt/slides/slide19.xml><?xml version="1.0" encoding="utf-8"?>
+<p:sld xmlns:a="http://schemas.openxmlformats.org/drawingml/2006/main" xmlns:r="http://schemas.openxmlformats.org/officeDocument/2006/relationships" xmlns:p="http://schemas.openxmlformats.org/presentationml/2006/main">
+  <p:cSld>
+    <p:spTree>
+      <p:nvGrpSpPr>
+        <p:cNvPr id="1" name=""/>
+        <p:cNvGrpSpPr/>
+        <p:nvPr/>
+      </p:nvGrpSpPr>
+      <p:grpSpPr>
+        <a:xfrm>
+          <a:off x="0" y="0"/>
+          <a:ext cx="0" cy="0"/>
+          <a:chOff x="0" y="0"/>
+          <a:chExt cx="0" cy="0"/>
+        </a:xfrm>
+      </p:grpSpPr>
+      <p:sp>
+        <p:nvSpPr>
+          <p:cNvPr id="3" name="タイトル 1">
+            <a:extLst>
+              <a:ext uri="{FF2B5EF4-FFF2-40B4-BE49-F238E27FC236}">
+                <a16:creationId xmlns:a16="http://schemas.microsoft.com/office/drawing/2014/main" id="{DA9EE778-DCC5-3040-9087-5B00F4C1F6EB}"/>
+              </a:ext>
+            </a:extLst>
+          </p:cNvPr>
+          <p:cNvSpPr>
+            <a:spLocks noGrp="1"/>
+          </p:cNvSpPr>
+          <p:nvPr>
+            <p:ph type="title"/>
+          </p:nvPr>
+        </p:nvSpPr>
+        <p:spPr>
+          <a:xfrm>
+            <a:off x="628650" y="365126"/>
+            <a:ext cx="7886700" cy="1325563"/>
+          </a:xfrm>
+        </p:spPr>
+        <p:txBody>
+          <a:bodyPr/>
+          <a:lstStyle/>
+          <a:p>
+            <a:r>
+              <a:rPr lang="ja-JP" altLang="en-US">
+                <a:latin typeface="Gen Shin Gothic Medium" panose="020B0402020203020207" pitchFamily="34" charset="-128"/>
+                <a:ea typeface="Gen Shin Gothic Medium" panose="020B0402020203020207" pitchFamily="34" charset="-128"/>
+                <a:cs typeface="Gen Shin Gothic Medium" panose="020B0402020203020207" pitchFamily="34" charset="-128"/>
+              </a:rPr>
+              <a:t>まとめ</a:t>
+            </a:r>
+            <a:endParaRPr kumimoji="1" lang="ja-JP" altLang="en-US">
+              <a:latin typeface="Gen Shin Gothic Medium" panose="020B0402020203020207" pitchFamily="34" charset="-128"/>
+              <a:ea typeface="Gen Shin Gothic Medium" panose="020B0402020203020207" pitchFamily="34" charset="-128"/>
+              <a:cs typeface="Gen Shin Gothic Medium" panose="020B0402020203020207" pitchFamily="34" charset="-128"/>
+            </a:endParaRPr>
+          </a:p>
+        </p:txBody>
+      </p:sp>
+      <p:sp>
+        <p:nvSpPr>
+          <p:cNvPr id="4" name="コンテンツ プレースホルダー 2">
+            <a:extLst>
+              <a:ext uri="{FF2B5EF4-FFF2-40B4-BE49-F238E27FC236}">
+                <a16:creationId xmlns:a16="http://schemas.microsoft.com/office/drawing/2014/main" id="{DF3958B9-2478-D94E-B34E-1ACF8A3EB15B}"/>
+              </a:ext>
+            </a:extLst>
+          </p:cNvPr>
+          <p:cNvSpPr txBox="1">
+            <a:spLocks/>
+          </p:cNvSpPr>
+          <p:nvPr/>
+        </p:nvSpPr>
+        <p:spPr>
+          <a:xfrm>
+            <a:off x="628650" y="1825625"/>
+            <a:ext cx="7886700" cy="4351338"/>
+          </a:xfrm>
+          <a:prstGeom prst="rect">
+            <a:avLst/>
+          </a:prstGeom>
+        </p:spPr>
+        <p:txBody>
+          <a:bodyPr/>
+          <a:lstStyle>
+            <a:lvl1pPr marL="228600" indent="-228600" algn="l" defTabSz="914400" rtl="0" eaLnBrk="1" latinLnBrk="0" hangingPunct="1">
+              <a:lnSpc>
+                <a:spcPct val="90000"/>
+              </a:lnSpc>
+              <a:spcBef>
+                <a:spcPts val="1000"/>
+              </a:spcBef>
+              <a:buFont typeface="Arial" panose="020B0604020202020204" pitchFamily="34" charset="0"/>
+              <a:buChar char="•"/>
+              <a:defRPr kumimoji="1" sz="2800" kern="1200">
+                <a:solidFill>
+                  <a:schemeClr val="tx1"/>
+                </a:solidFill>
+                <a:latin typeface="+mn-lt"/>
+                <a:ea typeface="+mn-ea"/>
+                <a:cs typeface="+mn-cs"/>
+              </a:defRPr>
+            </a:lvl1pPr>
+            <a:lvl2pPr marL="685800" indent="-228600" algn="l" defTabSz="914400" rtl="0" eaLnBrk="1" latinLnBrk="0" hangingPunct="1">
+              <a:lnSpc>
+                <a:spcPct val="90000"/>
+              </a:lnSpc>
+              <a:spcBef>
+                <a:spcPts val="500"/>
+              </a:spcBef>
+              <a:buFont typeface="Arial" panose="020B0604020202020204" pitchFamily="34" charset="0"/>
+              <a:buChar char="•"/>
+              <a:defRPr kumimoji="1" sz="2400" kern="1200">
+                <a:solidFill>
+                  <a:schemeClr val="tx1"/>
+                </a:solidFill>
+                <a:latin typeface="+mn-lt"/>
+                <a:ea typeface="+mn-ea"/>
+                <a:cs typeface="+mn-cs"/>
+              </a:defRPr>
+            </a:lvl2pPr>
+            <a:lvl3pPr marL="1143000" indent="-228600" algn="l" defTabSz="914400" rtl="0" eaLnBrk="1" latinLnBrk="0" hangingPunct="1">
+              <a:lnSpc>
+                <a:spcPct val="90000"/>
+              </a:lnSpc>
+              <a:spcBef>
+                <a:spcPts val="500"/>
+              </a:spcBef>
+              <a:buFont typeface="Arial" panose="020B0604020202020204" pitchFamily="34" charset="0"/>
+              <a:buChar char="•"/>
+              <a:defRPr kumimoji="1" sz="2000" kern="1200">
+                <a:solidFill>
+                  <a:schemeClr val="tx1"/>
+                </a:solidFill>
+                <a:latin typeface="+mn-lt"/>
+                <a:ea typeface="+mn-ea"/>
+                <a:cs typeface="+mn-cs"/>
+              </a:defRPr>
+            </a:lvl3pPr>
+            <a:lvl4pPr marL="1600200" indent="-228600" algn="l" defTabSz="914400" rtl="0" eaLnBrk="1" latinLnBrk="0" hangingPunct="1">
+              <a:lnSpc>
+                <a:spcPct val="90000"/>
+              </a:lnSpc>
+              <a:spcBef>
+                <a:spcPts val="500"/>
+              </a:spcBef>
+              <a:buFont typeface="Arial" panose="020B0604020202020204" pitchFamily="34" charset="0"/>
+              <a:buChar char="•"/>
+              <a:defRPr kumimoji="1" sz="1800" kern="1200">
+                <a:solidFill>
+                  <a:schemeClr val="tx1"/>
+                </a:solidFill>
+                <a:latin typeface="+mn-lt"/>
+                <a:ea typeface="+mn-ea"/>
+                <a:cs typeface="+mn-cs"/>
+              </a:defRPr>
+            </a:lvl4pPr>
+            <a:lvl5pPr marL="2057400" indent="-228600" algn="l" defTabSz="914400" rtl="0" eaLnBrk="1" latinLnBrk="0" hangingPunct="1">
+              <a:lnSpc>
+                <a:spcPct val="90000"/>
+              </a:lnSpc>
+              <a:spcBef>
+                <a:spcPts val="500"/>
+              </a:spcBef>
+              <a:buFont typeface="Arial" panose="020B0604020202020204" pitchFamily="34" charset="0"/>
+              <a:buChar char="•"/>
+              <a:defRPr kumimoji="1" sz="1800" kern="1200">
+                <a:solidFill>
+                  <a:schemeClr val="tx1"/>
+                </a:solidFill>
+                <a:latin typeface="+mn-lt"/>
+                <a:ea typeface="+mn-ea"/>
+                <a:cs typeface="+mn-cs"/>
+              </a:defRPr>
+            </a:lvl5pPr>
+            <a:lvl6pPr marL="2514600" indent="-228600" algn="l" defTabSz="914400" rtl="0" eaLnBrk="1" latinLnBrk="0" hangingPunct="1">
+              <a:lnSpc>
+                <a:spcPct val="90000"/>
+              </a:lnSpc>
+              <a:spcBef>
+                <a:spcPts val="500"/>
+              </a:spcBef>
+              <a:buFont typeface="Arial" panose="020B0604020202020204" pitchFamily="34" charset="0"/>
+              <a:buChar char="•"/>
+              <a:defRPr kumimoji="1" sz="1800" kern="1200">
+                <a:solidFill>
+                  <a:schemeClr val="tx1"/>
+                </a:solidFill>
+                <a:latin typeface="+mn-lt"/>
+                <a:ea typeface="+mn-ea"/>
+                <a:cs typeface="+mn-cs"/>
+              </a:defRPr>
+            </a:lvl6pPr>
+            <a:lvl7pPr marL="2971800" indent="-228600" algn="l" defTabSz="914400" rtl="0" eaLnBrk="1" latinLnBrk="0" hangingPunct="1">
+              <a:lnSpc>
+                <a:spcPct val="90000"/>
+              </a:lnSpc>
+              <a:spcBef>
+                <a:spcPts val="500"/>
+              </a:spcBef>
+              <a:buFont typeface="Arial" panose="020B0604020202020204" pitchFamily="34" charset="0"/>
+              <a:buChar char="•"/>
+              <a:defRPr kumimoji="1" sz="1800" kern="1200">
+                <a:solidFill>
+                  <a:schemeClr val="tx1"/>
+                </a:solidFill>
+                <a:latin typeface="+mn-lt"/>
+                <a:ea typeface="+mn-ea"/>
+                <a:cs typeface="+mn-cs"/>
+              </a:defRPr>
+            </a:lvl7pPr>
+            <a:lvl8pPr marL="3429000" indent="-228600" algn="l" defTabSz="914400" rtl="0" eaLnBrk="1" latinLnBrk="0" hangingPunct="1">
+              <a:lnSpc>
+                <a:spcPct val="90000"/>
+              </a:lnSpc>
+              <a:spcBef>
+                <a:spcPts val="500"/>
+              </a:spcBef>
+              <a:buFont typeface="Arial" panose="020B0604020202020204" pitchFamily="34" charset="0"/>
+              <a:buChar char="•"/>
+              <a:defRPr kumimoji="1" sz="1800" kern="1200">
+                <a:solidFill>
+                  <a:schemeClr val="tx1"/>
+                </a:solidFill>
+                <a:latin typeface="+mn-lt"/>
+                <a:ea typeface="+mn-ea"/>
+                <a:cs typeface="+mn-cs"/>
+              </a:defRPr>
+            </a:lvl8pPr>
+            <a:lvl9pPr marL="3886200" indent="-228600" algn="l" defTabSz="914400" rtl="0" eaLnBrk="1" latinLnBrk="0" hangingPunct="1">
+              <a:lnSpc>
+                <a:spcPct val="90000"/>
+              </a:lnSpc>
+              <a:spcBef>
+                <a:spcPts val="500"/>
+              </a:spcBef>
+              <a:buFont typeface="Arial" panose="020B0604020202020204" pitchFamily="34" charset="0"/>
+              <a:buChar char="•"/>
+              <a:defRPr kumimoji="1" sz="1800" kern="1200">
+                <a:solidFill>
+                  <a:schemeClr val="tx1"/>
+                </a:solidFill>
+                <a:latin typeface="+mn-lt"/>
+                <a:ea typeface="+mn-ea"/>
+                <a:cs typeface="+mn-cs"/>
+              </a:defRPr>
+            </a:lvl9pPr>
+          </a:lstStyle>
+          <a:p>
             <a:pPr>
               <a:lnSpc>
                 <a:spcPct val="150000"/>
@@ -4539,7 +5276,7 @@
                 <a:ea typeface="Gen Shin Gothic" panose="020B0402020203020207" pitchFamily="34" charset="-128"/>
                 <a:cs typeface="Gen Shin Gothic" panose="020B0402020203020207" pitchFamily="34" charset="-128"/>
               </a:rPr>
-              <a:t>art 2</a:t>
+              <a:t>art 3</a:t>
             </a:r>
             <a:br>
               <a:rPr kumimoji="1" lang="en-US" altLang="ja-JP" sz="8000" b="1" dirty="0">
@@ -4677,6 +5414,44 @@
           </a:p>
         </p:txBody>
       </p:sp>
+      <p:sp>
+        <p:nvSpPr>
+          <p:cNvPr id="3" name="正方形/長方形 2">
+            <a:extLst>
+              <a:ext uri="{FF2B5EF4-FFF2-40B4-BE49-F238E27FC236}">
+                <a16:creationId xmlns:a16="http://schemas.microsoft.com/office/drawing/2014/main" id="{ABF4131B-A4BE-6E44-99C8-C6081CA63BA3}"/>
+              </a:ext>
+            </a:extLst>
+          </p:cNvPr>
+          <p:cNvSpPr/>
+          <p:nvPr/>
+        </p:nvSpPr>
+        <p:spPr>
+          <a:xfrm>
+            <a:off x="395215" y="3004850"/>
+            <a:ext cx="8353569" cy="1323439"/>
+          </a:xfrm>
+          <a:prstGeom prst="rect">
+            <a:avLst/>
+          </a:prstGeom>
+        </p:spPr>
+        <p:txBody>
+          <a:bodyPr wrap="none">
+            <a:spAutoFit/>
+          </a:bodyPr>
+          <a:lstStyle/>
+          <a:p>
+            <a:r>
+              <a:rPr lang="ja-JP" altLang="en-US" sz="8000" b="1">
+                <a:latin typeface="Gen Shin Gothic" panose="020B0302020203020207" pitchFamily="34" charset="-128"/>
+                <a:ea typeface="Gen Shin Gothic" panose="020B0302020203020207" pitchFamily="34" charset="-128"/>
+                <a:cs typeface="Gen Shin Gothic" panose="020B0302020203020207" pitchFamily="34" charset="-128"/>
+              </a:rPr>
+              <a:t>git is not GitHub</a:t>
+            </a:r>
+          </a:p>
+        </p:txBody>
+      </p:sp>
     </p:spTree>
     <p:extLst>
       <p:ext uri="{BB962C8B-B14F-4D97-AF65-F5344CB8AC3E}">
@@ -4725,287 +5500,130 @@
         </p:nvSpPr>
         <p:spPr/>
         <p:txBody>
-          <a:bodyPr/>
-          <a:lstStyle/>
-          <a:p>
-            <a:r>
-              <a:rPr lang="ja-JP" altLang="en-US" sz="5400">
-                <a:latin typeface="Gen Shin Gothic Medium" panose="020B0402020203020207" pitchFamily="34" charset="-128"/>
-                <a:ea typeface="Gen Shin Gothic Medium" panose="020B0402020203020207" pitchFamily="34" charset="-128"/>
-                <a:cs typeface="Gen Shin Gothic Medium" panose="020B0402020203020207" pitchFamily="34" charset="-128"/>
-              </a:rPr>
-              <a:t>分散管理の力</a:t>
-            </a:r>
-            <a:endParaRPr kumimoji="1" lang="ja-JP" altLang="en-US">
-              <a:latin typeface="Gen Shin Gothic Medium" panose="020B0402020203020207" pitchFamily="34" charset="-128"/>
-              <a:ea typeface="Gen Shin Gothic Medium" panose="020B0402020203020207" pitchFamily="34" charset="-128"/>
-              <a:cs typeface="Gen Shin Gothic Medium" panose="020B0402020203020207" pitchFamily="34" charset="-128"/>
-            </a:endParaRPr>
-          </a:p>
-        </p:txBody>
-      </p:sp>
-      <p:sp>
-        <p:nvSpPr>
-          <p:cNvPr id="3" name="コンテンツ プレースホルダー 2">
+          <a:bodyPr>
+            <a:normAutofit/>
+          </a:bodyPr>
+          <a:lstStyle/>
+          <a:p>
+            <a:r>
+              <a:rPr kumimoji="1" lang="en-US" altLang="ja-JP" dirty="0">
+                <a:latin typeface="Gen Shin Gothic Medium" panose="020B0402020203020207" pitchFamily="34" charset="-128"/>
+                <a:ea typeface="Gen Shin Gothic Medium" panose="020B0402020203020207" pitchFamily="34" charset="-128"/>
+                <a:cs typeface="Gen Shin Gothic Medium" panose="020B0402020203020207" pitchFamily="34" charset="-128"/>
+              </a:rPr>
+              <a:t>GitHub </a:t>
+            </a:r>
+            <a:r>
+              <a:rPr kumimoji="1" lang="ja-JP" altLang="en-US">
+                <a:latin typeface="Gen Shin Gothic Medium" panose="020B0402020203020207" pitchFamily="34" charset="-128"/>
+                <a:ea typeface="Gen Shin Gothic Medium" panose="020B0402020203020207" pitchFamily="34" charset="-128"/>
+                <a:cs typeface="Gen Shin Gothic Medium" panose="020B0402020203020207" pitchFamily="34" charset="-128"/>
+              </a:rPr>
+              <a:t>とは何か？</a:t>
+            </a:r>
+          </a:p>
+        </p:txBody>
+      </p:sp>
+      <p:sp>
+        <p:nvSpPr>
+          <p:cNvPr id="3" name="正方形/長方形 2">
             <a:extLst>
               <a:ext uri="{FF2B5EF4-FFF2-40B4-BE49-F238E27FC236}">
-                <a16:creationId xmlns:a16="http://schemas.microsoft.com/office/drawing/2014/main" id="{912F3FB3-057B-F14F-85DC-4D861A9F395F}"/>
+                <a16:creationId xmlns:a16="http://schemas.microsoft.com/office/drawing/2014/main" id="{ABF4131B-A4BE-6E44-99C8-C6081CA63BA3}"/>
               </a:ext>
             </a:extLst>
           </p:cNvPr>
-          <p:cNvSpPr>
-            <a:spLocks noGrp="1"/>
-          </p:cNvSpPr>
-          <p:nvPr>
-            <p:ph idx="1"/>
-          </p:nvPr>
+          <p:cNvSpPr/>
+          <p:nvPr/>
         </p:nvSpPr>
         <p:spPr>
           <a:xfrm>
-            <a:off x="628650" y="1825624"/>
-            <a:ext cx="7886700" cy="4824558"/>
+            <a:off x="628650" y="2242850"/>
+            <a:ext cx="8143576" cy="1815882"/>
           </a:xfrm>
+          <a:prstGeom prst="rect">
+            <a:avLst/>
+          </a:prstGeom>
         </p:spPr>
         <p:txBody>
-          <a:bodyPr>
-            <a:normAutofit/>
+          <a:bodyPr wrap="none">
+            <a:spAutoFit/>
           </a:bodyPr>
           <a:lstStyle/>
           <a:p>
-            <a:pPr marL="0" indent="0">
-              <a:buNone/>
-            </a:pPr>
-            <a:r>
-              <a:rPr lang="en-US" altLang="ja-JP" dirty="0">
-                <a:latin typeface="Gen Shin Gothic Medium" panose="020B0402020203020207" pitchFamily="34" charset="-128"/>
-                <a:ea typeface="Gen Shin Gothic Medium" panose="020B0402020203020207" pitchFamily="34" charset="-128"/>
-                <a:cs typeface="Gen Shin Gothic Medium" panose="020B0402020203020207" pitchFamily="34" charset="-128"/>
+            <a:r>
+              <a:rPr lang="en-US" altLang="ja-JP" sz="2800" dirty="0">
+                <a:latin typeface="Gen Shin Gothic" panose="020B0302020203020207" pitchFamily="34" charset="-128"/>
+                <a:ea typeface="Gen Shin Gothic" panose="020B0302020203020207" pitchFamily="34" charset="-128"/>
+                <a:cs typeface="Gen Shin Gothic" panose="020B0302020203020207" pitchFamily="34" charset="-128"/>
               </a:rPr>
               <a:t>git </a:t>
             </a:r>
             <a:r>
-              <a:rPr lang="ja-JP" altLang="en-US">
-                <a:latin typeface="Gen Shin Gothic Medium" panose="020B0402020203020207" pitchFamily="34" charset="-128"/>
-                <a:ea typeface="Gen Shin Gothic Medium" panose="020B0402020203020207" pitchFamily="34" charset="-128"/>
-                <a:cs typeface="Gen Shin Gothic Medium" panose="020B0402020203020207" pitchFamily="34" charset="-128"/>
-              </a:rPr>
-              <a:t>が</a:t>
-            </a:r>
-            <a:r>
-              <a:rPr lang="en-US" altLang="ja-JP" dirty="0">
-                <a:latin typeface="Gen Shin Gothic Medium" panose="020B0402020203020207" pitchFamily="34" charset="-128"/>
-                <a:ea typeface="Gen Shin Gothic Medium" panose="020B0402020203020207" pitchFamily="34" charset="-128"/>
-                <a:cs typeface="Gen Shin Gothic Medium" panose="020B0402020203020207" pitchFamily="34" charset="-128"/>
-              </a:rPr>
-              <a:t> </a:t>
-            </a:r>
-            <a:r>
-              <a:rPr lang="ja-JP" altLang="en-US">
-                <a:latin typeface="Gen Shin Gothic Medium" panose="020B0402020203020207" pitchFamily="34" charset="-128"/>
-                <a:ea typeface="Gen Shin Gothic Medium" panose="020B0402020203020207" pitchFamily="34" charset="-128"/>
-                <a:cs typeface="Gen Shin Gothic Medium" panose="020B0402020203020207" pitchFamily="34" charset="-128"/>
-              </a:rPr>
-              <a:t>従来のバージョン管理ツールと異なる点</a:t>
-            </a:r>
-            <a:endParaRPr lang="en-US" altLang="ja-JP" dirty="0">
-              <a:latin typeface="Gen Shin Gothic Medium" panose="020B0402020203020207" pitchFamily="34" charset="-128"/>
-              <a:ea typeface="Gen Shin Gothic Medium" panose="020B0402020203020207" pitchFamily="34" charset="-128"/>
-              <a:cs typeface="Gen Shin Gothic Medium" panose="020B0402020203020207" pitchFamily="34" charset="-128"/>
+              <a:rPr lang="ja-JP" altLang="en-US" sz="2800">
+                <a:latin typeface="Gen Shin Gothic" panose="020B0302020203020207" pitchFamily="34" charset="-128"/>
+                <a:ea typeface="Gen Shin Gothic" panose="020B0302020203020207" pitchFamily="34" charset="-128"/>
+                <a:cs typeface="Gen Shin Gothic" panose="020B0302020203020207" pitchFamily="34" charset="-128"/>
+              </a:rPr>
+              <a:t>はバージョン管理ツール</a:t>
+            </a:r>
+            <a:endParaRPr lang="en-US" altLang="ja-JP" sz="2800" dirty="0">
+              <a:latin typeface="Gen Shin Gothic" panose="020B0302020203020207" pitchFamily="34" charset="-128"/>
+              <a:ea typeface="Gen Shin Gothic" panose="020B0302020203020207" pitchFamily="34" charset="-128"/>
+              <a:cs typeface="Gen Shin Gothic" panose="020B0302020203020207" pitchFamily="34" charset="-128"/>
             </a:endParaRPr>
           </a:p>
           <a:p>
-            <a:pPr marL="0" indent="0">
-              <a:buNone/>
-            </a:pPr>
-            <a:endParaRPr kumimoji="1" lang="en-US" altLang="ja-JP" dirty="0">
-              <a:latin typeface="Gen Shin Gothic Medium" panose="020B0402020203020207" pitchFamily="34" charset="-128"/>
-              <a:ea typeface="Gen Shin Gothic Medium" panose="020B0402020203020207" pitchFamily="34" charset="-128"/>
-              <a:cs typeface="Gen Shin Gothic Medium" panose="020B0402020203020207" pitchFamily="34" charset="-128"/>
+            <a:endParaRPr lang="en-US" altLang="ja-JP" sz="2800" dirty="0">
+              <a:latin typeface="Gen Shin Gothic" panose="020B0302020203020207" pitchFamily="34" charset="-128"/>
+              <a:ea typeface="Gen Shin Gothic" panose="020B0302020203020207" pitchFamily="34" charset="-128"/>
+              <a:cs typeface="Gen Shin Gothic" panose="020B0302020203020207" pitchFamily="34" charset="-128"/>
             </a:endParaRPr>
           </a:p>
           <a:p>
-            <a:pPr marL="0" indent="0">
-              <a:buNone/>
-            </a:pPr>
-            <a:r>
-              <a:rPr lang="en-US" altLang="ja-JP" dirty="0">
-                <a:latin typeface="Gen Shin Gothic Medium" panose="020B0402020203020207" pitchFamily="34" charset="-128"/>
-                <a:ea typeface="Gen Shin Gothic Medium" panose="020B0402020203020207" pitchFamily="34" charset="-128"/>
-                <a:cs typeface="Gen Shin Gothic Medium" panose="020B0402020203020207" pitchFamily="34" charset="-128"/>
-              </a:rPr>
-              <a:t>  </a:t>
-            </a:r>
-            <a:r>
-              <a:rPr lang="ja-JP" altLang="en-US">
-                <a:latin typeface="Gen Shin Gothic Medium" panose="020B0402020203020207" pitchFamily="34" charset="-128"/>
-                <a:ea typeface="Gen Shin Gothic Medium" panose="020B0402020203020207" pitchFamily="34" charset="-128"/>
-                <a:cs typeface="Gen Shin Gothic Medium" panose="020B0402020203020207" pitchFamily="34" charset="-128"/>
-              </a:rPr>
-              <a:t>複数のリポジトリを</a:t>
-            </a:r>
-            <a:r>
-              <a:rPr lang="en-US" altLang="ja-JP" dirty="0">
-                <a:latin typeface="Gen Shin Gothic Medium" panose="020B0402020203020207" pitchFamily="34" charset="-128"/>
-                <a:ea typeface="Gen Shin Gothic Medium" panose="020B0402020203020207" pitchFamily="34" charset="-128"/>
-                <a:cs typeface="Gen Shin Gothic Medium" panose="020B0402020203020207" pitchFamily="34" charset="-128"/>
-              </a:rPr>
-              <a:t> </a:t>
-            </a:r>
-            <a:r>
-              <a:rPr lang="ja-JP" altLang="en-US">
-                <a:solidFill>
-                  <a:schemeClr val="accent1"/>
-                </a:solidFill>
-                <a:latin typeface="Gen Shin Gothic Medium" panose="020B0402020203020207" pitchFamily="34" charset="-128"/>
-                <a:ea typeface="Gen Shin Gothic Medium" panose="020B0402020203020207" pitchFamily="34" charset="-128"/>
-                <a:cs typeface="Gen Shin Gothic Medium" panose="020B0402020203020207" pitchFamily="34" charset="-128"/>
-              </a:rPr>
-              <a:t>追跡</a:t>
-            </a:r>
-            <a:r>
-              <a:rPr lang="en-US" altLang="ja-JP" dirty="0">
-                <a:latin typeface="Gen Shin Gothic Medium" panose="020B0402020203020207" pitchFamily="34" charset="-128"/>
-                <a:ea typeface="Gen Shin Gothic Medium" panose="020B0402020203020207" pitchFamily="34" charset="-128"/>
-                <a:cs typeface="Gen Shin Gothic Medium" panose="020B0402020203020207" pitchFamily="34" charset="-128"/>
-              </a:rPr>
-              <a:t> </a:t>
-            </a:r>
-            <a:r>
-              <a:rPr lang="ja-JP" altLang="en-US">
-                <a:latin typeface="Gen Shin Gothic Medium" panose="020B0402020203020207" pitchFamily="34" charset="-128"/>
-                <a:ea typeface="Gen Shin Gothic Medium" panose="020B0402020203020207" pitchFamily="34" charset="-128"/>
-                <a:cs typeface="Gen Shin Gothic Medium" panose="020B0402020203020207" pitchFamily="34" charset="-128"/>
-              </a:rPr>
-              <a:t>させることで</a:t>
-            </a:r>
-            <a:endParaRPr lang="en-US" altLang="ja-JP" dirty="0">
-              <a:latin typeface="Gen Shin Gothic Medium" panose="020B0402020203020207" pitchFamily="34" charset="-128"/>
-              <a:ea typeface="Gen Shin Gothic Medium" panose="020B0402020203020207" pitchFamily="34" charset="-128"/>
-              <a:cs typeface="Gen Shin Gothic Medium" panose="020B0402020203020207" pitchFamily="34" charset="-128"/>
+            <a:r>
+              <a:rPr lang="en-US" altLang="ja-JP" sz="2800" dirty="0">
+                <a:latin typeface="Gen Shin Gothic" panose="020B0302020203020207" pitchFamily="34" charset="-128"/>
+                <a:ea typeface="Gen Shin Gothic" panose="020B0302020203020207" pitchFamily="34" charset="-128"/>
+                <a:cs typeface="Gen Shin Gothic" panose="020B0302020203020207" pitchFamily="34" charset="-128"/>
+              </a:rPr>
+              <a:t>GitHub </a:t>
+            </a:r>
+            <a:r>
+              <a:rPr lang="ja-JP" altLang="en-US" sz="2800">
+                <a:latin typeface="Gen Shin Gothic" panose="020B0302020203020207" pitchFamily="34" charset="-128"/>
+                <a:ea typeface="Gen Shin Gothic" panose="020B0302020203020207" pitchFamily="34" charset="-128"/>
+                <a:cs typeface="Gen Shin Gothic" panose="020B0302020203020207" pitchFamily="34" charset="-128"/>
+              </a:rPr>
+              <a:t>は</a:t>
+            </a:r>
+            <a:r>
+              <a:rPr lang="en-US" altLang="ja-JP" sz="2800" dirty="0">
+                <a:latin typeface="Gen Shin Gothic" panose="020B0302020203020207" pitchFamily="34" charset="-128"/>
+                <a:ea typeface="Gen Shin Gothic" panose="020B0302020203020207" pitchFamily="34" charset="-128"/>
+                <a:cs typeface="Gen Shin Gothic" panose="020B0302020203020207" pitchFamily="34" charset="-128"/>
+              </a:rPr>
+              <a:t> git </a:t>
+            </a:r>
+            <a:r>
+              <a:rPr lang="ja-JP" altLang="en-US" sz="2800">
+                <a:latin typeface="Gen Shin Gothic" panose="020B0302020203020207" pitchFamily="34" charset="-128"/>
+                <a:ea typeface="Gen Shin Gothic" panose="020B0302020203020207" pitchFamily="34" charset="-128"/>
+                <a:cs typeface="Gen Shin Gothic" panose="020B0302020203020207" pitchFamily="34" charset="-128"/>
+              </a:rPr>
+              <a:t>リポジトリのホスティングサービス</a:t>
+            </a:r>
+            <a:endParaRPr lang="en-US" altLang="ja-JP" sz="2800" dirty="0">
+              <a:latin typeface="Gen Shin Gothic" panose="020B0302020203020207" pitchFamily="34" charset="-128"/>
+              <a:ea typeface="Gen Shin Gothic" panose="020B0302020203020207" pitchFamily="34" charset="-128"/>
+              <a:cs typeface="Gen Shin Gothic" panose="020B0302020203020207" pitchFamily="34" charset="-128"/>
             </a:endParaRPr>
           </a:p>
           <a:p>
-            <a:pPr marL="0" indent="0">
-              <a:buNone/>
-            </a:pPr>
-            <a:r>
-              <a:rPr lang="en-US" altLang="ja-JP" dirty="0">
-                <a:latin typeface="Gen Shin Gothic Medium" panose="020B0402020203020207" pitchFamily="34" charset="-128"/>
-                <a:ea typeface="Gen Shin Gothic Medium" panose="020B0402020203020207" pitchFamily="34" charset="-128"/>
-                <a:cs typeface="Gen Shin Gothic Medium" panose="020B0402020203020207" pitchFamily="34" charset="-128"/>
-              </a:rPr>
-              <a:t>  </a:t>
-            </a:r>
-            <a:r>
-              <a:rPr lang="ja-JP" altLang="en-US">
-                <a:latin typeface="Gen Shin Gothic Medium" panose="020B0402020203020207" pitchFamily="34" charset="-128"/>
-                <a:ea typeface="Gen Shin Gothic Medium" panose="020B0402020203020207" pitchFamily="34" charset="-128"/>
-                <a:cs typeface="Gen Shin Gothic Medium" panose="020B0402020203020207" pitchFamily="34" charset="-128"/>
-              </a:rPr>
-              <a:t>ひとつのプロジェクトを分散管理できる</a:t>
-            </a:r>
-            <a:endParaRPr lang="en-US" altLang="ja-JP" dirty="0">
-              <a:latin typeface="Gen Shin Gothic Medium" panose="020B0402020203020207" pitchFamily="34" charset="-128"/>
-              <a:ea typeface="Gen Shin Gothic Medium" panose="020B0402020203020207" pitchFamily="34" charset="-128"/>
-              <a:cs typeface="Gen Shin Gothic Medium" panose="020B0402020203020207" pitchFamily="34" charset="-128"/>
-            </a:endParaRPr>
-          </a:p>
-          <a:p>
-            <a:pPr marL="0" indent="0">
-              <a:buNone/>
-            </a:pPr>
-            <a:endParaRPr kumimoji="1" lang="en-US" altLang="ja-JP" dirty="0">
-              <a:latin typeface="Gen Shin Gothic Medium" panose="020B0402020203020207" pitchFamily="34" charset="-128"/>
-              <a:ea typeface="Gen Shin Gothic Medium" panose="020B0402020203020207" pitchFamily="34" charset="-128"/>
-              <a:cs typeface="Gen Shin Gothic Medium" panose="020B0402020203020207" pitchFamily="34" charset="-128"/>
-            </a:endParaRPr>
-          </a:p>
-          <a:p>
-            <a:pPr marL="0" indent="0">
-              <a:buNone/>
-            </a:pPr>
-            <a:r>
-              <a:rPr lang="ja-JP" altLang="en-US">
-                <a:latin typeface="Gen Shin Gothic Medium" panose="020B0402020203020207" pitchFamily="34" charset="-128"/>
-                <a:ea typeface="Gen Shin Gothic Medium" panose="020B0402020203020207" pitchFamily="34" charset="-128"/>
-                <a:cs typeface="Gen Shin Gothic Medium" panose="020B0402020203020207" pitchFamily="34" charset="-128"/>
-              </a:rPr>
-              <a:t>分散管理をすることで</a:t>
-            </a:r>
-            <a:endParaRPr lang="en-US" altLang="ja-JP" dirty="0">
-              <a:latin typeface="Gen Shin Gothic Medium" panose="020B0402020203020207" pitchFamily="34" charset="-128"/>
-              <a:ea typeface="Gen Shin Gothic Medium" panose="020B0402020203020207" pitchFamily="34" charset="-128"/>
-              <a:cs typeface="Gen Shin Gothic Medium" panose="020B0402020203020207" pitchFamily="34" charset="-128"/>
-            </a:endParaRPr>
-          </a:p>
-          <a:p>
-            <a:pPr marL="0" indent="0">
-              <a:buNone/>
-            </a:pPr>
-            <a:r>
-              <a:rPr lang="ja-JP" altLang="en-US">
-                <a:latin typeface="Gen Shin Gothic Medium" panose="020B0402020203020207" pitchFamily="34" charset="-128"/>
-                <a:ea typeface="Gen Shin Gothic Medium" panose="020B0402020203020207" pitchFamily="34" charset="-128"/>
-                <a:cs typeface="Gen Shin Gothic Medium" panose="020B0402020203020207" pitchFamily="34" charset="-128"/>
-              </a:rPr>
-              <a:t>一緒に作業している人の影響を考えずに</a:t>
-            </a:r>
-            <a:endParaRPr lang="en-US" altLang="ja-JP" dirty="0">
-              <a:latin typeface="Gen Shin Gothic Medium" panose="020B0402020203020207" pitchFamily="34" charset="-128"/>
-              <a:ea typeface="Gen Shin Gothic Medium" panose="020B0402020203020207" pitchFamily="34" charset="-128"/>
-              <a:cs typeface="Gen Shin Gothic Medium" panose="020B0402020203020207" pitchFamily="34" charset="-128"/>
-            </a:endParaRPr>
-          </a:p>
-          <a:p>
-            <a:pPr marL="0" indent="0">
-              <a:buNone/>
-            </a:pPr>
-            <a:r>
-              <a:rPr lang="ja-JP" altLang="en-US">
-                <a:latin typeface="Gen Shin Gothic Medium" panose="020B0402020203020207" pitchFamily="34" charset="-128"/>
-                <a:ea typeface="Gen Shin Gothic Medium" panose="020B0402020203020207" pitchFamily="34" charset="-128"/>
-                <a:cs typeface="Gen Shin Gothic Medium" panose="020B0402020203020207" pitchFamily="34" charset="-128"/>
-              </a:rPr>
-              <a:t>自分の作業をすることが出来る</a:t>
-            </a:r>
-            <a:endParaRPr lang="en-US" altLang="ja-JP" dirty="0">
-              <a:latin typeface="Gen Shin Gothic Medium" panose="020B0402020203020207" pitchFamily="34" charset="-128"/>
-              <a:ea typeface="Gen Shin Gothic Medium" panose="020B0402020203020207" pitchFamily="34" charset="-128"/>
-              <a:cs typeface="Gen Shin Gothic Medium" panose="020B0402020203020207" pitchFamily="34" charset="-128"/>
-            </a:endParaRPr>
-          </a:p>
-          <a:p>
-            <a:pPr marL="0" indent="0">
-              <a:buNone/>
-            </a:pPr>
-            <a:r>
-              <a:rPr lang="en-US" altLang="ja-JP" dirty="0">
-                <a:latin typeface="Gen Shin Gothic Medium" panose="020B0402020203020207" pitchFamily="34" charset="-128"/>
-                <a:ea typeface="Gen Shin Gothic Medium" panose="020B0402020203020207" pitchFamily="34" charset="-128"/>
-                <a:cs typeface="Gen Shin Gothic Medium" panose="020B0402020203020207" pitchFamily="34" charset="-128"/>
-              </a:rPr>
-              <a:t>(</a:t>
-            </a:r>
-            <a:r>
-              <a:rPr lang="ja-JP" altLang="en-US">
-                <a:latin typeface="Gen Shin Gothic Medium" panose="020B0402020203020207" pitchFamily="34" charset="-128"/>
-                <a:ea typeface="Gen Shin Gothic Medium" panose="020B0402020203020207" pitchFamily="34" charset="-128"/>
-                <a:cs typeface="Gen Shin Gothic Medium" panose="020B0402020203020207" pitchFamily="34" charset="-128"/>
-              </a:rPr>
-              <a:t>可能な限り</a:t>
-            </a:r>
-            <a:r>
-              <a:rPr lang="en-US" altLang="ja-JP" dirty="0">
-                <a:latin typeface="Gen Shin Gothic Medium" panose="020B0402020203020207" pitchFamily="34" charset="-128"/>
-                <a:ea typeface="Gen Shin Gothic Medium" panose="020B0402020203020207" pitchFamily="34" charset="-128"/>
-                <a:cs typeface="Gen Shin Gothic Medium" panose="020B0402020203020207" pitchFamily="34" charset="-128"/>
-              </a:rPr>
-              <a:t>)</a:t>
-            </a:r>
-            <a:endParaRPr kumimoji="1" lang="ja-JP" altLang="en-US">
-              <a:latin typeface="Gen Shin Gothic Medium" panose="020B0402020203020207" pitchFamily="34" charset="-128"/>
-              <a:ea typeface="Gen Shin Gothic Medium" panose="020B0402020203020207" pitchFamily="34" charset="-128"/>
-              <a:cs typeface="Gen Shin Gothic Medium" panose="020B0402020203020207" pitchFamily="34" charset="-128"/>
+            <a:endParaRPr lang="en-US" altLang="ja-JP" sz="2800" dirty="0">
+              <a:latin typeface="Gen Shin Gothic" panose="020B0302020203020207" pitchFamily="34" charset="-128"/>
+              <a:ea typeface="Gen Shin Gothic" panose="020B0302020203020207" pitchFamily="34" charset="-128"/>
+              <a:cs typeface="Gen Shin Gothic" panose="020B0302020203020207" pitchFamily="34" charset="-128"/>
             </a:endParaRPr>
           </a:p>
         </p:txBody>
@@ -5013,7 +5631,7 @@
     </p:spTree>
     <p:extLst>
       <p:ext uri="{BB962C8B-B14F-4D97-AF65-F5344CB8AC3E}">
-        <p14:creationId xmlns:p14="http://schemas.microsoft.com/office/powerpoint/2010/main" val="152842761"/>
+        <p14:creationId xmlns:p14="http://schemas.microsoft.com/office/powerpoint/2010/main" val="78268125"/>
       </p:ext>
     </p:extLst>
   </p:cSld>
@@ -5058,9 +5676,7 @@
         </p:nvSpPr>
         <p:spPr/>
         <p:txBody>
-          <a:bodyPr>
-            <a:normAutofit/>
-          </a:bodyPr>
+          <a:bodyPr/>
           <a:lstStyle/>
           <a:p>
             <a:r>
@@ -5069,7 +5685,7 @@
                 <a:ea typeface="Gen Shin Gothic Medium" panose="020B0402020203020207" pitchFamily="34" charset="-128"/>
                 <a:cs typeface="Gen Shin Gothic Medium" panose="020B0402020203020207" pitchFamily="34" charset="-128"/>
               </a:rPr>
-              <a:t>リモートリポジトリ</a:t>
+              <a:t>分散管理の力</a:t>
             </a:r>
             <a:endParaRPr kumimoji="1" lang="ja-JP" altLang="en-US">
               <a:latin typeface="Gen Shin Gothic Medium" panose="020B0402020203020207" pitchFamily="34" charset="-128"/>
@@ -5097,8 +5713,8 @@
         </p:nvSpPr>
         <p:spPr>
           <a:xfrm>
-            <a:off x="628650" y="1825625"/>
-            <a:ext cx="7886700" cy="1119456"/>
+            <a:off x="628650" y="1825624"/>
+            <a:ext cx="7886700" cy="4824558"/>
           </a:xfrm>
         </p:spPr>
         <p:txBody>
@@ -5111,12 +5727,36 @@
               <a:buNone/>
             </a:pPr>
             <a:r>
+              <a:rPr lang="en-US" altLang="ja-JP" dirty="0">
+                <a:latin typeface="Gen Shin Gothic Medium" panose="020B0402020203020207" pitchFamily="34" charset="-128"/>
+                <a:ea typeface="Gen Shin Gothic Medium" panose="020B0402020203020207" pitchFamily="34" charset="-128"/>
+                <a:cs typeface="Gen Shin Gothic Medium" panose="020B0402020203020207" pitchFamily="34" charset="-128"/>
+              </a:rPr>
+              <a:t>git </a:t>
+            </a:r>
+            <a:r>
               <a:rPr lang="ja-JP" altLang="en-US">
                 <a:latin typeface="Gen Shin Gothic Medium" panose="020B0402020203020207" pitchFamily="34" charset="-128"/>
                 <a:ea typeface="Gen Shin Gothic Medium" panose="020B0402020203020207" pitchFamily="34" charset="-128"/>
                 <a:cs typeface="Gen Shin Gothic Medium" panose="020B0402020203020207" pitchFamily="34" charset="-128"/>
               </a:rPr>
-              <a:t>リポジトリが追跡してる別のリポジトリのこと</a:t>
+              <a:t>が</a:t>
+            </a:r>
+            <a:r>
+              <a:rPr lang="en-US" altLang="ja-JP" dirty="0">
+                <a:latin typeface="Gen Shin Gothic Medium" panose="020B0402020203020207" pitchFamily="34" charset="-128"/>
+                <a:ea typeface="Gen Shin Gothic Medium" panose="020B0402020203020207" pitchFamily="34" charset="-128"/>
+                <a:cs typeface="Gen Shin Gothic Medium" panose="020B0402020203020207" pitchFamily="34" charset="-128"/>
+              </a:rPr>
+              <a:t> </a:t>
+            </a:r>
+            <a:r>
+              <a:rPr lang="ja-JP" altLang="en-US">
+                <a:latin typeface="Gen Shin Gothic Medium" panose="020B0402020203020207" pitchFamily="34" charset="-128"/>
+                <a:ea typeface="Gen Shin Gothic Medium" panose="020B0402020203020207" pitchFamily="34" charset="-128"/>
+                <a:cs typeface="Gen Shin Gothic Medium" panose="020B0402020203020207" pitchFamily="34" charset="-128"/>
+              </a:rPr>
+              <a:t>従来のバージョン管理ツールと異なる点</a:t>
             </a:r>
             <a:endParaRPr lang="en-US" altLang="ja-JP" dirty="0">
               <a:latin typeface="Gen Shin Gothic Medium" panose="020B0402020203020207" pitchFamily="34" charset="-128"/>
@@ -5128,13 +5768,23 @@
             <a:pPr marL="0" indent="0">
               <a:buNone/>
             </a:pPr>
-            <a:r>
-              <a:rPr lang="en" altLang="ja-JP" dirty="0">
-                <a:latin typeface="Gen Shin Gothic Medium" panose="020B0402020203020207" pitchFamily="34" charset="-128"/>
-                <a:ea typeface="Gen Shin Gothic Medium" panose="020B0402020203020207" pitchFamily="34" charset="-128"/>
-                <a:cs typeface="Gen Shin Gothic Medium" panose="020B0402020203020207" pitchFamily="34" charset="-128"/>
-              </a:rPr>
-              <a:t>(GitHub </a:t>
+            <a:endParaRPr kumimoji="1" lang="en-US" altLang="ja-JP" dirty="0">
+              <a:latin typeface="Gen Shin Gothic Medium" panose="020B0402020203020207" pitchFamily="34" charset="-128"/>
+              <a:ea typeface="Gen Shin Gothic Medium" panose="020B0402020203020207" pitchFamily="34" charset="-128"/>
+              <a:cs typeface="Gen Shin Gothic Medium" panose="020B0402020203020207" pitchFamily="34" charset="-128"/>
+            </a:endParaRPr>
+          </a:p>
+          <a:p>
+            <a:pPr marL="0" indent="0">
+              <a:buNone/>
+            </a:pPr>
+            <a:r>
+              <a:rPr lang="en-US" altLang="ja-JP" dirty="0">
+                <a:latin typeface="Gen Shin Gothic Medium" panose="020B0402020203020207" pitchFamily="34" charset="-128"/>
+                <a:ea typeface="Gen Shin Gothic Medium" panose="020B0402020203020207" pitchFamily="34" charset="-128"/>
+                <a:cs typeface="Gen Shin Gothic Medium" panose="020B0402020203020207" pitchFamily="34" charset="-128"/>
+              </a:rPr>
+              <a:t>  </a:t>
             </a:r>
             <a:r>
               <a:rPr lang="ja-JP" altLang="en-US">
@@ -5142,7 +5792,158 @@
                 <a:ea typeface="Gen Shin Gothic Medium" panose="020B0402020203020207" pitchFamily="34" charset="-128"/>
                 <a:cs typeface="Gen Shin Gothic Medium" panose="020B0402020203020207" pitchFamily="34" charset="-128"/>
               </a:rPr>
-              <a:t>のようなクラウドサービスに置かれる</a:t>
+              <a:t>複数のリポジトリを</a:t>
+            </a:r>
+            <a:r>
+              <a:rPr lang="en-US" altLang="ja-JP" dirty="0">
+                <a:latin typeface="Gen Shin Gothic Medium" panose="020B0402020203020207" pitchFamily="34" charset="-128"/>
+                <a:ea typeface="Gen Shin Gothic Medium" panose="020B0402020203020207" pitchFamily="34" charset="-128"/>
+                <a:cs typeface="Gen Shin Gothic Medium" panose="020B0402020203020207" pitchFamily="34" charset="-128"/>
+              </a:rPr>
+              <a:t> </a:t>
+            </a:r>
+            <a:r>
+              <a:rPr lang="ja-JP" altLang="en-US">
+                <a:solidFill>
+                  <a:schemeClr val="accent1"/>
+                </a:solidFill>
+                <a:latin typeface="Gen Shin Gothic Medium" panose="020B0402020203020207" pitchFamily="34" charset="-128"/>
+                <a:ea typeface="Gen Shin Gothic Medium" panose="020B0402020203020207" pitchFamily="34" charset="-128"/>
+                <a:cs typeface="Gen Shin Gothic Medium" panose="020B0402020203020207" pitchFamily="34" charset="-128"/>
+              </a:rPr>
+              <a:t>追跡</a:t>
+            </a:r>
+            <a:r>
+              <a:rPr lang="en-US" altLang="ja-JP" dirty="0">
+                <a:latin typeface="Gen Shin Gothic Medium" panose="020B0402020203020207" pitchFamily="34" charset="-128"/>
+                <a:ea typeface="Gen Shin Gothic Medium" panose="020B0402020203020207" pitchFamily="34" charset="-128"/>
+                <a:cs typeface="Gen Shin Gothic Medium" panose="020B0402020203020207" pitchFamily="34" charset="-128"/>
+              </a:rPr>
+              <a:t> </a:t>
+            </a:r>
+            <a:r>
+              <a:rPr lang="ja-JP" altLang="en-US">
+                <a:latin typeface="Gen Shin Gothic Medium" panose="020B0402020203020207" pitchFamily="34" charset="-128"/>
+                <a:ea typeface="Gen Shin Gothic Medium" panose="020B0402020203020207" pitchFamily="34" charset="-128"/>
+                <a:cs typeface="Gen Shin Gothic Medium" panose="020B0402020203020207" pitchFamily="34" charset="-128"/>
+              </a:rPr>
+              <a:t>させることで</a:t>
+            </a:r>
+            <a:endParaRPr lang="en-US" altLang="ja-JP" dirty="0">
+              <a:latin typeface="Gen Shin Gothic Medium" panose="020B0402020203020207" pitchFamily="34" charset="-128"/>
+              <a:ea typeface="Gen Shin Gothic Medium" panose="020B0402020203020207" pitchFamily="34" charset="-128"/>
+              <a:cs typeface="Gen Shin Gothic Medium" panose="020B0402020203020207" pitchFamily="34" charset="-128"/>
+            </a:endParaRPr>
+          </a:p>
+          <a:p>
+            <a:pPr marL="0" indent="0">
+              <a:buNone/>
+            </a:pPr>
+            <a:r>
+              <a:rPr lang="en-US" altLang="ja-JP" dirty="0">
+                <a:latin typeface="Gen Shin Gothic Medium" panose="020B0402020203020207" pitchFamily="34" charset="-128"/>
+                <a:ea typeface="Gen Shin Gothic Medium" panose="020B0402020203020207" pitchFamily="34" charset="-128"/>
+                <a:cs typeface="Gen Shin Gothic Medium" panose="020B0402020203020207" pitchFamily="34" charset="-128"/>
+              </a:rPr>
+              <a:t>  </a:t>
+            </a:r>
+            <a:r>
+              <a:rPr lang="ja-JP" altLang="en-US">
+                <a:latin typeface="Gen Shin Gothic Medium" panose="020B0402020203020207" pitchFamily="34" charset="-128"/>
+                <a:ea typeface="Gen Shin Gothic Medium" panose="020B0402020203020207" pitchFamily="34" charset="-128"/>
+                <a:cs typeface="Gen Shin Gothic Medium" panose="020B0402020203020207" pitchFamily="34" charset="-128"/>
+              </a:rPr>
+              <a:t>ひとつのプロジェクトを分散管理できる</a:t>
+            </a:r>
+            <a:endParaRPr lang="en-US" altLang="ja-JP" dirty="0">
+              <a:latin typeface="Gen Shin Gothic Medium" panose="020B0402020203020207" pitchFamily="34" charset="-128"/>
+              <a:ea typeface="Gen Shin Gothic Medium" panose="020B0402020203020207" pitchFamily="34" charset="-128"/>
+              <a:cs typeface="Gen Shin Gothic Medium" panose="020B0402020203020207" pitchFamily="34" charset="-128"/>
+            </a:endParaRPr>
+          </a:p>
+          <a:p>
+            <a:pPr marL="0" indent="0">
+              <a:buNone/>
+            </a:pPr>
+            <a:endParaRPr kumimoji="1" lang="en-US" altLang="ja-JP" dirty="0">
+              <a:latin typeface="Gen Shin Gothic Medium" panose="020B0402020203020207" pitchFamily="34" charset="-128"/>
+              <a:ea typeface="Gen Shin Gothic Medium" panose="020B0402020203020207" pitchFamily="34" charset="-128"/>
+              <a:cs typeface="Gen Shin Gothic Medium" panose="020B0402020203020207" pitchFamily="34" charset="-128"/>
+            </a:endParaRPr>
+          </a:p>
+          <a:p>
+            <a:pPr marL="0" indent="0">
+              <a:buNone/>
+            </a:pPr>
+            <a:r>
+              <a:rPr lang="ja-JP" altLang="en-US">
+                <a:latin typeface="Gen Shin Gothic Medium" panose="020B0402020203020207" pitchFamily="34" charset="-128"/>
+                <a:ea typeface="Gen Shin Gothic Medium" panose="020B0402020203020207" pitchFamily="34" charset="-128"/>
+                <a:cs typeface="Gen Shin Gothic Medium" panose="020B0402020203020207" pitchFamily="34" charset="-128"/>
+              </a:rPr>
+              <a:t>分散管理をすることで</a:t>
+            </a:r>
+            <a:endParaRPr lang="en-US" altLang="ja-JP" dirty="0">
+              <a:latin typeface="Gen Shin Gothic Medium" panose="020B0402020203020207" pitchFamily="34" charset="-128"/>
+              <a:ea typeface="Gen Shin Gothic Medium" panose="020B0402020203020207" pitchFamily="34" charset="-128"/>
+              <a:cs typeface="Gen Shin Gothic Medium" panose="020B0402020203020207" pitchFamily="34" charset="-128"/>
+            </a:endParaRPr>
+          </a:p>
+          <a:p>
+            <a:pPr marL="0" indent="0">
+              <a:buNone/>
+            </a:pPr>
+            <a:r>
+              <a:rPr lang="ja-JP" altLang="en-US">
+                <a:latin typeface="Gen Shin Gothic Medium" panose="020B0402020203020207" pitchFamily="34" charset="-128"/>
+                <a:ea typeface="Gen Shin Gothic Medium" panose="020B0402020203020207" pitchFamily="34" charset="-128"/>
+                <a:cs typeface="Gen Shin Gothic Medium" panose="020B0402020203020207" pitchFamily="34" charset="-128"/>
+              </a:rPr>
+              <a:t>一緒に作業している人の影響を考えずに</a:t>
+            </a:r>
+            <a:endParaRPr lang="en-US" altLang="ja-JP" dirty="0">
+              <a:latin typeface="Gen Shin Gothic Medium" panose="020B0402020203020207" pitchFamily="34" charset="-128"/>
+              <a:ea typeface="Gen Shin Gothic Medium" panose="020B0402020203020207" pitchFamily="34" charset="-128"/>
+              <a:cs typeface="Gen Shin Gothic Medium" panose="020B0402020203020207" pitchFamily="34" charset="-128"/>
+            </a:endParaRPr>
+          </a:p>
+          <a:p>
+            <a:pPr marL="0" indent="0">
+              <a:buNone/>
+            </a:pPr>
+            <a:r>
+              <a:rPr lang="ja-JP" altLang="en-US">
+                <a:latin typeface="Gen Shin Gothic Medium" panose="020B0402020203020207" pitchFamily="34" charset="-128"/>
+                <a:ea typeface="Gen Shin Gothic Medium" panose="020B0402020203020207" pitchFamily="34" charset="-128"/>
+                <a:cs typeface="Gen Shin Gothic Medium" panose="020B0402020203020207" pitchFamily="34" charset="-128"/>
+              </a:rPr>
+              <a:t>自分の作業をすることが出来る</a:t>
+            </a:r>
+            <a:endParaRPr lang="en-US" altLang="ja-JP" dirty="0">
+              <a:latin typeface="Gen Shin Gothic Medium" panose="020B0402020203020207" pitchFamily="34" charset="-128"/>
+              <a:ea typeface="Gen Shin Gothic Medium" panose="020B0402020203020207" pitchFamily="34" charset="-128"/>
+              <a:cs typeface="Gen Shin Gothic Medium" panose="020B0402020203020207" pitchFamily="34" charset="-128"/>
+            </a:endParaRPr>
+          </a:p>
+          <a:p>
+            <a:pPr marL="0" indent="0">
+              <a:buNone/>
+            </a:pPr>
+            <a:r>
+              <a:rPr lang="en-US" altLang="ja-JP" dirty="0">
+                <a:latin typeface="Gen Shin Gothic Medium" panose="020B0402020203020207" pitchFamily="34" charset="-128"/>
+                <a:ea typeface="Gen Shin Gothic Medium" panose="020B0402020203020207" pitchFamily="34" charset="-128"/>
+                <a:cs typeface="Gen Shin Gothic Medium" panose="020B0402020203020207" pitchFamily="34" charset="-128"/>
+              </a:rPr>
+              <a:t>(</a:t>
+            </a:r>
+            <a:r>
+              <a:rPr lang="ja-JP" altLang="en-US">
+                <a:latin typeface="Gen Shin Gothic Medium" panose="020B0402020203020207" pitchFamily="34" charset="-128"/>
+                <a:ea typeface="Gen Shin Gothic Medium" panose="020B0402020203020207" pitchFamily="34" charset="-128"/>
+                <a:cs typeface="Gen Shin Gothic Medium" panose="020B0402020203020207" pitchFamily="34" charset="-128"/>
+              </a:rPr>
+              <a:t>可能な限り</a:t>
             </a:r>
             <a:r>
               <a:rPr lang="en-US" altLang="ja-JP" dirty="0">
@@ -5163,7 +5964,7 @@
     </p:spTree>
     <p:extLst>
       <p:ext uri="{BB962C8B-B14F-4D97-AF65-F5344CB8AC3E}">
-        <p14:creationId xmlns:p14="http://schemas.microsoft.com/office/powerpoint/2010/main" val="299906725"/>
+        <p14:creationId xmlns:p14="http://schemas.microsoft.com/office/powerpoint/2010/main" val="152842761"/>
       </p:ext>
     </p:extLst>
   </p:cSld>
@@ -5192,10 +5993,10 @@
       </p:grpSpPr>
       <p:sp>
         <p:nvSpPr>
-          <p:cNvPr id="3" name="タイトル 1">
+          <p:cNvPr id="2" name="タイトル 1">
             <a:extLst>
               <a:ext uri="{FF2B5EF4-FFF2-40B4-BE49-F238E27FC236}">
-                <a16:creationId xmlns:a16="http://schemas.microsoft.com/office/drawing/2014/main" id="{C42FD8D5-0E8E-5E41-8BF1-95C92D30AA3A}"/>
+                <a16:creationId xmlns:a16="http://schemas.microsoft.com/office/drawing/2014/main" id="{6197A6E3-3051-B14C-BDE7-8B728AA504EA}"/>
               </a:ext>
             </a:extLst>
           </p:cNvPr>
@@ -5206,31 +6007,20 @@
             <p:ph type="title"/>
           </p:nvPr>
         </p:nvSpPr>
-        <p:spPr>
-          <a:xfrm>
-            <a:off x="628650" y="365126"/>
-            <a:ext cx="7886700" cy="1325563"/>
-          </a:xfrm>
-        </p:spPr>
-        <p:txBody>
-          <a:bodyPr/>
-          <a:lstStyle/>
-          <a:p>
-            <a:r>
-              <a:rPr lang="en" altLang="ja-JP" dirty="0">
-                <a:latin typeface="Gen Shin Gothic Medium" panose="020B0402020203020207" pitchFamily="34" charset="-128"/>
-                <a:ea typeface="Gen Shin Gothic Medium" panose="020B0402020203020207" pitchFamily="34" charset="-128"/>
-                <a:cs typeface="Gen Shin Gothic Medium" panose="020B0402020203020207" pitchFamily="34" charset="-128"/>
-              </a:rPr>
-              <a:t>GitHub </a:t>
-            </a:r>
-            <a:r>
-              <a:rPr lang="ja-JP" altLang="en-US">
-                <a:latin typeface="Gen Shin Gothic Medium" panose="020B0402020203020207" pitchFamily="34" charset="-128"/>
-                <a:ea typeface="Gen Shin Gothic Medium" panose="020B0402020203020207" pitchFamily="34" charset="-128"/>
-                <a:cs typeface="Gen Shin Gothic Medium" panose="020B0402020203020207" pitchFamily="34" charset="-128"/>
-              </a:rPr>
-              <a:t>でリポジトリ作成</a:t>
+        <p:spPr/>
+        <p:txBody>
+          <a:bodyPr>
+            <a:normAutofit/>
+          </a:bodyPr>
+          <a:lstStyle/>
+          <a:p>
+            <a:r>
+              <a:rPr lang="ja-JP" altLang="en-US" sz="5400">
+                <a:latin typeface="Gen Shin Gothic Medium" panose="020B0402020203020207" pitchFamily="34" charset="-128"/>
+                <a:ea typeface="Gen Shin Gothic Medium" panose="020B0402020203020207" pitchFamily="34" charset="-128"/>
+                <a:cs typeface="Gen Shin Gothic Medium" panose="020B0402020203020207" pitchFamily="34" charset="-128"/>
+              </a:rPr>
+              <a:t>リモートリポジトリ</a:t>
             </a:r>
             <a:endParaRPr kumimoji="1" lang="ja-JP" altLang="en-US">
               <a:latin typeface="Gen Shin Gothic Medium" panose="020B0402020203020207" pitchFamily="34" charset="-128"/>
@@ -5240,10 +6030,91 @@
           </a:p>
         </p:txBody>
       </p:sp>
+      <p:sp>
+        <p:nvSpPr>
+          <p:cNvPr id="3" name="コンテンツ プレースホルダー 2">
+            <a:extLst>
+              <a:ext uri="{FF2B5EF4-FFF2-40B4-BE49-F238E27FC236}">
+                <a16:creationId xmlns:a16="http://schemas.microsoft.com/office/drawing/2014/main" id="{912F3FB3-057B-F14F-85DC-4D861A9F395F}"/>
+              </a:ext>
+            </a:extLst>
+          </p:cNvPr>
+          <p:cNvSpPr>
+            <a:spLocks noGrp="1"/>
+          </p:cNvSpPr>
+          <p:nvPr>
+            <p:ph idx="1"/>
+          </p:nvPr>
+        </p:nvSpPr>
+        <p:spPr>
+          <a:xfrm>
+            <a:off x="628650" y="1825625"/>
+            <a:ext cx="7886700" cy="1119456"/>
+          </a:xfrm>
+        </p:spPr>
+        <p:txBody>
+          <a:bodyPr>
+            <a:normAutofit/>
+          </a:bodyPr>
+          <a:lstStyle/>
+          <a:p>
+            <a:pPr marL="0" indent="0">
+              <a:buNone/>
+            </a:pPr>
+            <a:r>
+              <a:rPr lang="ja-JP" altLang="en-US">
+                <a:latin typeface="Gen Shin Gothic Medium" panose="020B0402020203020207" pitchFamily="34" charset="-128"/>
+                <a:ea typeface="Gen Shin Gothic Medium" panose="020B0402020203020207" pitchFamily="34" charset="-128"/>
+                <a:cs typeface="Gen Shin Gothic Medium" panose="020B0402020203020207" pitchFamily="34" charset="-128"/>
+              </a:rPr>
+              <a:t>リポジトリが追跡してる別のリポジトリのこと</a:t>
+            </a:r>
+            <a:endParaRPr lang="en-US" altLang="ja-JP" dirty="0">
+              <a:latin typeface="Gen Shin Gothic Medium" panose="020B0402020203020207" pitchFamily="34" charset="-128"/>
+              <a:ea typeface="Gen Shin Gothic Medium" panose="020B0402020203020207" pitchFamily="34" charset="-128"/>
+              <a:cs typeface="Gen Shin Gothic Medium" panose="020B0402020203020207" pitchFamily="34" charset="-128"/>
+            </a:endParaRPr>
+          </a:p>
+          <a:p>
+            <a:pPr marL="0" indent="0">
+              <a:buNone/>
+            </a:pPr>
+            <a:r>
+              <a:rPr lang="en" altLang="ja-JP" dirty="0">
+                <a:latin typeface="Gen Shin Gothic Medium" panose="020B0402020203020207" pitchFamily="34" charset="-128"/>
+                <a:ea typeface="Gen Shin Gothic Medium" panose="020B0402020203020207" pitchFamily="34" charset="-128"/>
+                <a:cs typeface="Gen Shin Gothic Medium" panose="020B0402020203020207" pitchFamily="34" charset="-128"/>
+              </a:rPr>
+              <a:t>(GitHub </a:t>
+            </a:r>
+            <a:r>
+              <a:rPr lang="ja-JP" altLang="en-US">
+                <a:latin typeface="Gen Shin Gothic Medium" panose="020B0402020203020207" pitchFamily="34" charset="-128"/>
+                <a:ea typeface="Gen Shin Gothic Medium" panose="020B0402020203020207" pitchFamily="34" charset="-128"/>
+                <a:cs typeface="Gen Shin Gothic Medium" panose="020B0402020203020207" pitchFamily="34" charset="-128"/>
+              </a:rPr>
+              <a:t>のようなクラウドサービスに置かれる</a:t>
+            </a:r>
+            <a:r>
+              <a:rPr lang="en-US" altLang="ja-JP" dirty="0">
+                <a:latin typeface="Gen Shin Gothic Medium" panose="020B0402020203020207" pitchFamily="34" charset="-128"/>
+                <a:ea typeface="Gen Shin Gothic Medium" panose="020B0402020203020207" pitchFamily="34" charset="-128"/>
+                <a:cs typeface="Gen Shin Gothic Medium" panose="020B0402020203020207" pitchFamily="34" charset="-128"/>
+              </a:rPr>
+              <a:t>)</a:t>
+            </a:r>
+            <a:endParaRPr kumimoji="1" lang="ja-JP" altLang="en-US">
+              <a:latin typeface="Gen Shin Gothic Medium" panose="020B0402020203020207" pitchFamily="34" charset="-128"/>
+              <a:ea typeface="Gen Shin Gothic Medium" panose="020B0402020203020207" pitchFamily="34" charset="-128"/>
+              <a:cs typeface="Gen Shin Gothic Medium" panose="020B0402020203020207" pitchFamily="34" charset="-128"/>
+            </a:endParaRPr>
+          </a:p>
+        </p:txBody>
+      </p:sp>
     </p:spTree>
     <p:extLst>
       <p:ext uri="{BB962C8B-B14F-4D97-AF65-F5344CB8AC3E}">
-        <p14:creationId xmlns:p14="http://schemas.microsoft.com/office/powerpoint/2010/main" val="3311773790"/>
+        <p14:creationId xmlns:p14="http://schemas.microsoft.com/office/powerpoint/2010/main" val="299906725"/>
       </p:ext>
     </p:extLst>
   </p:cSld>
@@ -5297,12 +6168,20 @@
           <a:lstStyle/>
           <a:p>
             <a:r>
+              <a:rPr lang="en" altLang="ja-JP" dirty="0">
+                <a:latin typeface="Gen Shin Gothic Medium" panose="020B0402020203020207" pitchFamily="34" charset="-128"/>
+                <a:ea typeface="Gen Shin Gothic Medium" panose="020B0402020203020207" pitchFamily="34" charset="-128"/>
+                <a:cs typeface="Gen Shin Gothic Medium" panose="020B0402020203020207" pitchFamily="34" charset="-128"/>
+              </a:rPr>
+              <a:t>GitHub </a:t>
+            </a:r>
+            <a:r>
               <a:rPr lang="ja-JP" altLang="en-US">
                 <a:latin typeface="Gen Shin Gothic Medium" panose="020B0402020203020207" pitchFamily="34" charset="-128"/>
                 <a:ea typeface="Gen Shin Gothic Medium" panose="020B0402020203020207" pitchFamily="34" charset="-128"/>
                 <a:cs typeface="Gen Shin Gothic Medium" panose="020B0402020203020207" pitchFamily="34" charset="-128"/>
               </a:rPr>
-              <a:t>リポジトリを追跡</a:t>
+              <a:t>でリポジトリ作成</a:t>
             </a:r>
             <a:endParaRPr kumimoji="1" lang="ja-JP" altLang="en-US">
               <a:latin typeface="Gen Shin Gothic Medium" panose="020B0402020203020207" pitchFamily="34" charset="-128"/>
@@ -5312,10 +6191,70 @@
           </a:p>
         </p:txBody>
       </p:sp>
+      <p:pic>
+        <p:nvPicPr>
+          <p:cNvPr id="4" name="図 3">
+            <a:extLst>
+              <a:ext uri="{FF2B5EF4-FFF2-40B4-BE49-F238E27FC236}">
+                <a16:creationId xmlns:a16="http://schemas.microsoft.com/office/drawing/2014/main" id="{7524EBC1-ECFE-CB48-ABC3-2403924B9784}"/>
+              </a:ext>
+            </a:extLst>
+          </p:cNvPr>
+          <p:cNvPicPr>
+            <a:picLocks noChangeAspect="1"/>
+          </p:cNvPicPr>
+          <p:nvPr/>
+        </p:nvPicPr>
+        <p:blipFill>
+          <a:blip r:embed="rId2"/>
+          <a:stretch>
+            <a:fillRect/>
+          </a:stretch>
+        </p:blipFill>
+        <p:spPr>
+          <a:xfrm>
+            <a:off x="778328" y="1951457"/>
+            <a:ext cx="7587343" cy="1417004"/>
+          </a:xfrm>
+          <a:prstGeom prst="rect">
+            <a:avLst/>
+          </a:prstGeom>
+        </p:spPr>
+      </p:pic>
+      <p:pic>
+        <p:nvPicPr>
+          <p:cNvPr id="6" name="図 5">
+            <a:extLst>
+              <a:ext uri="{FF2B5EF4-FFF2-40B4-BE49-F238E27FC236}">
+                <a16:creationId xmlns:a16="http://schemas.microsoft.com/office/drawing/2014/main" id="{B6240338-7B78-3F4F-BFE8-2D1AC8C14B52}"/>
+              </a:ext>
+            </a:extLst>
+          </p:cNvPr>
+          <p:cNvPicPr>
+            <a:picLocks noChangeAspect="1"/>
+          </p:cNvPicPr>
+          <p:nvPr/>
+        </p:nvPicPr>
+        <p:blipFill>
+          <a:blip r:embed="rId3"/>
+          <a:stretch>
+            <a:fillRect/>
+          </a:stretch>
+        </p:blipFill>
+        <p:spPr>
+          <a:xfrm>
+            <a:off x="778328" y="4215773"/>
+            <a:ext cx="7587343" cy="1407572"/>
+          </a:xfrm>
+          <a:prstGeom prst="rect">
+            <a:avLst/>
+          </a:prstGeom>
+        </p:spPr>
+      </p:pic>
     </p:spTree>
     <p:extLst>
       <p:ext uri="{BB962C8B-B14F-4D97-AF65-F5344CB8AC3E}">
-        <p14:creationId xmlns:p14="http://schemas.microsoft.com/office/powerpoint/2010/main" val="2797796323"/>
+        <p14:creationId xmlns:p14="http://schemas.microsoft.com/office/powerpoint/2010/main" val="3311773790"/>
       </p:ext>
     </p:extLst>
   </p:cSld>
@@ -5369,12 +6308,20 @@
           <a:lstStyle/>
           <a:p>
             <a:r>
+              <a:rPr lang="en" altLang="ja-JP" dirty="0">
+                <a:latin typeface="Gen Shin Gothic Medium" panose="020B0402020203020207" pitchFamily="34" charset="-128"/>
+                <a:ea typeface="Gen Shin Gothic Medium" panose="020B0402020203020207" pitchFamily="34" charset="-128"/>
+                <a:cs typeface="Gen Shin Gothic Medium" panose="020B0402020203020207" pitchFamily="34" charset="-128"/>
+              </a:rPr>
+              <a:t>GitHub </a:t>
+            </a:r>
+            <a:r>
               <a:rPr lang="ja-JP" altLang="en-US">
                 <a:latin typeface="Gen Shin Gothic Medium" panose="020B0402020203020207" pitchFamily="34" charset="-128"/>
                 <a:ea typeface="Gen Shin Gothic Medium" panose="020B0402020203020207" pitchFamily="34" charset="-128"/>
                 <a:cs typeface="Gen Shin Gothic Medium" panose="020B0402020203020207" pitchFamily="34" charset="-128"/>
               </a:rPr>
-              <a:t>クローン</a:t>
+              <a:t>でリポジトリ作成</a:t>
             </a:r>
             <a:endParaRPr kumimoji="1" lang="ja-JP" altLang="en-US">
               <a:latin typeface="Gen Shin Gothic Medium" panose="020B0402020203020207" pitchFamily="34" charset="-128"/>
@@ -5384,10 +6331,40 @@
           </a:p>
         </p:txBody>
       </p:sp>
+      <p:pic>
+        <p:nvPicPr>
+          <p:cNvPr id="5" name="図 4">
+            <a:extLst>
+              <a:ext uri="{FF2B5EF4-FFF2-40B4-BE49-F238E27FC236}">
+                <a16:creationId xmlns:a16="http://schemas.microsoft.com/office/drawing/2014/main" id="{4945A7B8-4091-1445-AD49-8F1A07B1283B}"/>
+              </a:ext>
+            </a:extLst>
+          </p:cNvPr>
+          <p:cNvPicPr>
+            <a:picLocks noChangeAspect="1"/>
+          </p:cNvPicPr>
+          <p:nvPr/>
+        </p:nvPicPr>
+        <p:blipFill>
+          <a:blip r:embed="rId2"/>
+          <a:stretch>
+            <a:fillRect/>
+          </a:stretch>
+        </p:blipFill>
+        <p:spPr>
+          <a:xfrm>
+            <a:off x="1648368" y="1542628"/>
+            <a:ext cx="5847263" cy="5003089"/>
+          </a:xfrm>
+          <a:prstGeom prst="rect">
+            <a:avLst/>
+          </a:prstGeom>
+        </p:spPr>
+      </p:pic>
     </p:spTree>
     <p:extLst>
       <p:ext uri="{BB962C8B-B14F-4D97-AF65-F5344CB8AC3E}">
-        <p14:creationId xmlns:p14="http://schemas.microsoft.com/office/powerpoint/2010/main" val="1469877287"/>
+        <p14:creationId xmlns:p14="http://schemas.microsoft.com/office/powerpoint/2010/main" val="1876042337"/>
       </p:ext>
     </p:extLst>
   </p:cSld>
@@ -5446,7 +6423,7 @@
                 <a:ea typeface="Gen Shin Gothic Medium" panose="020B0402020203020207" pitchFamily="34" charset="-128"/>
                 <a:cs typeface="Gen Shin Gothic Medium" panose="020B0402020203020207" pitchFamily="34" charset="-128"/>
               </a:rPr>
-              <a:t>プッシュ</a:t>
+              <a:t>リポジトリを追跡</a:t>
             </a:r>
             <a:endParaRPr kumimoji="1" lang="ja-JP" altLang="en-US">
               <a:latin typeface="Gen Shin Gothic Medium" panose="020B0402020203020207" pitchFamily="34" charset="-128"/>
@@ -5459,7 +6436,7 @@
     </p:spTree>
     <p:extLst>
       <p:ext uri="{BB962C8B-B14F-4D97-AF65-F5344CB8AC3E}">
-        <p14:creationId xmlns:p14="http://schemas.microsoft.com/office/powerpoint/2010/main" val="2244540021"/>
+        <p14:creationId xmlns:p14="http://schemas.microsoft.com/office/powerpoint/2010/main" val="2797796323"/>
       </p:ext>
     </p:extLst>
   </p:cSld>
